--- a/presentaties/EindPresentatie.pptx
+++ b/presentaties/EindPresentatie.pptx
@@ -5,7 +5,7 @@
     <p:sldMasterId id="2147483660" r:id="rId1"/>
   </p:sldMasterIdLst>
   <p:notesMasterIdLst>
-    <p:notesMasterId r:id="rId20"/>
+    <p:notesMasterId r:id="rId19"/>
   </p:notesMasterIdLst>
   <p:sldIdLst>
     <p:sldId id="256" r:id="rId2"/>
@@ -24,8 +24,7 @@
     <p:sldId id="270" r:id="rId15"/>
     <p:sldId id="273" r:id="rId16"/>
     <p:sldId id="287" r:id="rId17"/>
-    <p:sldId id="265" r:id="rId18"/>
-    <p:sldId id="266" r:id="rId19"/>
+    <p:sldId id="288" r:id="rId18"/>
   </p:sldIdLst>
   <p:sldSz cx="17338675" cy="9753600"/>
   <p:notesSz cx="6858000" cy="9144000"/>
@@ -225,7 +224,7 @@
           <a:p>
             <a:fld id="{86680C0C-85DF-417F-8238-DB0D15743621}" type="datetimeFigureOut">
               <a:rPr lang="en-GB" smtClean="0"/>
-              <a:t>09/05/2019</a:t>
+              <a:t>10/05/2019</a:t>
             </a:fld>
             <a:endParaRPr lang="en-GB"/>
           </a:p>
@@ -794,7 +793,7 @@
           <a:p>
             <a:fld id="{5A24147F-ED97-47AF-A1B3-C82A179CF7F3}" type="datetime1">
               <a:rPr lang="nl-NL" smtClean="0"/>
-              <a:t>9-5-2019</a:t>
+              <a:t>10-5-2019</a:t>
             </a:fld>
             <a:endParaRPr lang="en-GB"/>
           </a:p>
@@ -1872,7 +1871,7 @@
           <a:p>
             <a:fld id="{25470885-0B31-4E06-AE71-7E16801F2838}" type="datetime1">
               <a:rPr lang="nl-BE" noProof="0" smtClean="0"/>
-              <a:t>9/05/2019</a:t>
+              <a:t>10/05/2019</a:t>
             </a:fld>
             <a:endParaRPr lang="nl-BE" noProof="0" dirty="0"/>
           </a:p>
@@ -1990,7 +1989,7 @@
           <a:p>
             <a:fld id="{E7410F60-8C93-4C37-B51A-4DDAE36F7E9B}" type="datetime1">
               <a:rPr lang="nl-BE" noProof="0" smtClean="0"/>
-              <a:t>9/05/2019</a:t>
+              <a:t>10/05/2019</a:t>
             </a:fld>
             <a:endParaRPr lang="nl-BE" noProof="0" dirty="0"/>
           </a:p>
@@ -2269,7 +2268,7 @@
           <a:p>
             <a:fld id="{656594B6-17DF-4759-A7A5-128AFEA77F2C}" type="datetime1">
               <a:rPr lang="nl-BE" noProof="0" smtClean="0"/>
-              <a:t>9/05/2019</a:t>
+              <a:t>10/05/2019</a:t>
             </a:fld>
             <a:endParaRPr lang="nl-BE" noProof="0" dirty="0"/>
           </a:p>
@@ -2410,7 +2409,7 @@
           <a:p>
             <a:fld id="{66A81384-1200-4D40-BEF0-3A17A1F906F4}" type="datetime1">
               <a:rPr lang="nl-NL" noProof="0" smtClean="0"/>
-              <a:t>9-5-2019</a:t>
+              <a:t>10-5-2019</a:t>
             </a:fld>
             <a:endParaRPr lang="nl-NL" noProof="0" dirty="0"/>
           </a:p>
@@ -2951,7 +2950,7 @@
           <a:p>
             <a:fld id="{FA870D1A-A3AB-4E9F-892E-C45B5A80FDBF}" type="datetime1">
               <a:rPr lang="nl-BE" noProof="0" smtClean="0"/>
-              <a:t>9/05/2019</a:t>
+              <a:t>10/05/2019</a:t>
             </a:fld>
             <a:endParaRPr lang="nl-BE" noProof="0" dirty="0"/>
           </a:p>
@@ -5320,124 +5319,13 @@
       </p:grpSpPr>
       <p:sp>
         <p:nvSpPr>
-          <p:cNvPr id="2" name="Titel 1"/>
-          <p:cNvSpPr>
-            <a:spLocks noGrp="1"/>
-          </p:cNvSpPr>
-          <p:nvPr>
-            <p:ph type="title"/>
-          </p:nvPr>
-        </p:nvSpPr>
-        <p:spPr/>
-        <p:txBody>
-          <a:bodyPr/>
-          <a:lstStyle/>
-          <a:p>
-            <a:r>
-              <a:rPr lang="nl-NL" dirty="0" err="1"/>
-              <a:t>Backlog</a:t>
-            </a:r>
-            <a:r>
-              <a:rPr lang="nl-NL" dirty="0"/>
-              <a:t>: sprint 2 (gerealiseerd </a:t>
-            </a:r>
-            <a:r>
-              <a:rPr lang="nl-NL" dirty="0">
-                <a:sym typeface="Wingdings" panose="05000000000000000000" pitchFamily="2" charset="2"/>
-              </a:rPr>
-              <a:t>💪</a:t>
-            </a:r>
-            <a:r>
-              <a:rPr lang="nl-NL" dirty="0"/>
-              <a:t>)</a:t>
-            </a:r>
-          </a:p>
-        </p:txBody>
-      </p:sp>
-      <p:sp>
-        <p:nvSpPr>
-          <p:cNvPr id="3" name="Tijdelijke aanduiding voor inhoud 2"/>
-          <p:cNvSpPr>
-            <a:spLocks noGrp="1"/>
-          </p:cNvSpPr>
-          <p:nvPr>
-            <p:ph idx="1"/>
-          </p:nvPr>
-        </p:nvSpPr>
-        <p:spPr>
-          <a:xfrm>
-            <a:off x="835827" y="1194368"/>
-            <a:ext cx="15699575" cy="6696001"/>
-          </a:xfrm>
-        </p:spPr>
-        <p:txBody>
-          <a:bodyPr>
-            <a:normAutofit lnSpcReduction="10000"/>
-          </a:bodyPr>
-          <a:lstStyle/>
-          <a:p>
-            <a:r>
-              <a:rPr lang="nl-NL" dirty="0"/>
-              <a:t>UI converteren naar realistische 2D visualisatie </a:t>
-            </a:r>
-          </a:p>
-          <a:p>
-            <a:r>
-              <a:rPr lang="nl-NL" dirty="0"/>
-              <a:t>Vliegpaden valideren</a:t>
-            </a:r>
-          </a:p>
-          <a:p>
-            <a:r>
-              <a:rPr lang="nl-NL" dirty="0" err="1"/>
-              <a:t>Mockup</a:t>
-            </a:r>
-            <a:r>
-              <a:rPr lang="nl-NL" dirty="0"/>
-              <a:t> drone voor het simuleren van vlucht data</a:t>
-            </a:r>
-          </a:p>
-          <a:p>
-            <a:r>
-              <a:rPr lang="nl-NL" dirty="0"/>
-              <a:t>Drone data verwerken en weergeven in grafieken</a:t>
-            </a:r>
-          </a:p>
-          <a:p>
-            <a:r>
-              <a:rPr lang="nl-NL" dirty="0"/>
-              <a:t>Authenticatie en beveiliging</a:t>
-            </a:r>
-          </a:p>
-          <a:p>
-            <a:r>
-              <a:rPr lang="nl-NL" dirty="0"/>
-              <a:t>Verschillende drone configuraties ondersteunen</a:t>
-            </a:r>
-          </a:p>
-          <a:p>
-            <a:r>
-              <a:rPr lang="nl-NL" dirty="0"/>
-              <a:t>Keuze tussen verschillende datastreams drone</a:t>
-            </a:r>
-          </a:p>
-          <a:p>
-            <a:r>
-              <a:rPr lang="nl-NL" dirty="0"/>
-              <a:t>‘Native’ Android applicatie</a:t>
-            </a:r>
-          </a:p>
-          <a:p>
-            <a:endParaRPr lang="nl-NL" dirty="0"/>
-          </a:p>
-          <a:p>
-            <a:endParaRPr lang="nl-NL" dirty="0"/>
-          </a:p>
-        </p:txBody>
-      </p:sp>
-      <p:sp>
-        <p:nvSpPr>
-          <p:cNvPr id="4" name="Tijdelijke aanduiding voor dianummer 3"/>
+          <p:cNvPr id="4" name="Tijdelijke aanduiding voor dianummer 3">
+            <a:extLst>
+              <a:ext uri="{FF2B5EF4-FFF2-40B4-BE49-F238E27FC236}">
+                <a16:creationId xmlns:a16="http://schemas.microsoft.com/office/drawing/2014/main" id="{1AD897CF-558C-4ADA-B67C-D002D8838A9D}"/>
+              </a:ext>
+            </a:extLst>
+          </p:cNvPr>
           <p:cNvSpPr>
             <a:spLocks noGrp="1"/>
           </p:cNvSpPr>
@@ -5458,167 +5346,57 @@
           </a:p>
         </p:txBody>
       </p:sp>
+      <p:pic>
+        <p:nvPicPr>
+          <p:cNvPr id="1026" name="Picture 2" descr="Afbeeldingsresultaat voor question">
+            <a:extLst>
+              <a:ext uri="{FF2B5EF4-FFF2-40B4-BE49-F238E27FC236}">
+                <a16:creationId xmlns:a16="http://schemas.microsoft.com/office/drawing/2014/main" id="{110B871F-7EC5-4823-A72F-8E4257EDBD5F}"/>
+              </a:ext>
+            </a:extLst>
+          </p:cNvPr>
+          <p:cNvPicPr>
+            <a:picLocks noChangeAspect="1" noChangeArrowheads="1"/>
+          </p:cNvPicPr>
+          <p:nvPr/>
+        </p:nvPicPr>
+        <p:blipFill>
+          <a:blip r:embed="rId2">
+            <a:extLst>
+              <a:ext uri="{28A0092B-C50C-407E-A947-70E740481C1C}">
+                <a14:useLocalDpi xmlns:a14="http://schemas.microsoft.com/office/drawing/2010/main" val="0"/>
+              </a:ext>
+            </a:extLst>
+          </a:blip>
+          <a:srcRect/>
+          <a:stretch>
+            <a:fillRect/>
+          </a:stretch>
+        </p:blipFill>
+        <p:spPr bwMode="auto">
+          <a:xfrm>
+            <a:off x="3307499" y="1774434"/>
+            <a:ext cx="10723676" cy="5600142"/>
+          </a:xfrm>
+          <a:prstGeom prst="rect">
+            <a:avLst/>
+          </a:prstGeom>
+          <a:noFill/>
+          <a:extLst>
+            <a:ext uri="{909E8E84-426E-40DD-AFC4-6F175D3DCCD1}">
+              <a14:hiddenFill xmlns:a14="http://schemas.microsoft.com/office/drawing/2010/main">
+                <a:solidFill>
+                  <a:srgbClr val="FFFFFF"/>
+                </a:solidFill>
+              </a14:hiddenFill>
+            </a:ext>
+          </a:extLst>
+        </p:spPr>
+      </p:pic>
     </p:spTree>
     <p:extLst>
       <p:ext uri="{BB962C8B-B14F-4D97-AF65-F5344CB8AC3E}">
-        <p14:creationId xmlns:p14="http://schemas.microsoft.com/office/powerpoint/2010/main" val="3229843272"/>
-      </p:ext>
-    </p:extLst>
-  </p:cSld>
-  <p:clrMapOvr>
-    <a:masterClrMapping/>
-  </p:clrMapOvr>
-</p:sld>
-</file>
-
-<file path=ppt/slides/slide18.xml><?xml version="1.0" encoding="utf-8"?>
-<p:sld xmlns:a="http://schemas.openxmlformats.org/drawingml/2006/main" xmlns:r="http://schemas.openxmlformats.org/officeDocument/2006/relationships" xmlns:p="http://schemas.openxmlformats.org/presentationml/2006/main">
-  <p:cSld>
-    <p:spTree>
-      <p:nvGrpSpPr>
-        <p:cNvPr id="1" name=""/>
-        <p:cNvGrpSpPr/>
-        <p:nvPr/>
-      </p:nvGrpSpPr>
-      <p:grpSpPr>
-        <a:xfrm>
-          <a:off x="0" y="0"/>
-          <a:ext cx="0" cy="0"/>
-          <a:chOff x="0" y="0"/>
-          <a:chExt cx="0" cy="0"/>
-        </a:xfrm>
-      </p:grpSpPr>
-      <p:sp>
-        <p:nvSpPr>
-          <p:cNvPr id="2" name="Titel 1"/>
-          <p:cNvSpPr>
-            <a:spLocks noGrp="1"/>
-          </p:cNvSpPr>
-          <p:nvPr>
-            <p:ph type="title"/>
-          </p:nvPr>
-        </p:nvSpPr>
-        <p:spPr/>
-        <p:txBody>
-          <a:bodyPr/>
-          <a:lstStyle/>
-          <a:p>
-            <a:r>
-              <a:rPr lang="nl-NL" sz="4800" dirty="0" err="1"/>
-              <a:t>Backlog</a:t>
-            </a:r>
-            <a:r>
-              <a:rPr lang="nl-NL" sz="4800" dirty="0"/>
-              <a:t>: sprint 2 (niet gerealiseerd 😢)</a:t>
-            </a:r>
-          </a:p>
-        </p:txBody>
-      </p:sp>
-      <p:sp>
-        <p:nvSpPr>
-          <p:cNvPr id="3" name="Tijdelijke aanduiding voor inhoud 2"/>
-          <p:cNvSpPr>
-            <a:spLocks noGrp="1"/>
-          </p:cNvSpPr>
-          <p:nvPr>
-            <p:ph idx="1"/>
-          </p:nvPr>
-        </p:nvSpPr>
-        <p:spPr/>
-        <p:txBody>
-          <a:bodyPr>
-            <a:normAutofit/>
-          </a:bodyPr>
-          <a:lstStyle/>
-          <a:p>
-            <a:r>
-              <a:rPr lang="nl-NL" dirty="0"/>
-              <a:t>Alerts voor afwijkingen tijdens vlucht</a:t>
-            </a:r>
-          </a:p>
-          <a:p>
-            <a:r>
-              <a:rPr lang="nl-NL" dirty="0"/>
-              <a:t>Live camera feed</a:t>
-            </a:r>
-          </a:p>
-          <a:p>
-            <a:r>
-              <a:rPr lang="nl-NL" dirty="0"/>
-              <a:t>Aanmaken eigen kaarten</a:t>
-            </a:r>
-          </a:p>
-          <a:p>
-            <a:pPr lvl="1"/>
-            <a:r>
-              <a:rPr lang="nl-NL" dirty="0"/>
-              <a:t>Aangepaste plattegrond afbeelding</a:t>
-            </a:r>
-          </a:p>
-          <a:p>
-            <a:pPr lvl="1"/>
-            <a:r>
-              <a:rPr lang="nl-NL" dirty="0"/>
-              <a:t>Instelbare schaal</a:t>
-            </a:r>
-          </a:p>
-          <a:p>
-            <a:pPr lvl="1"/>
-            <a:r>
-              <a:rPr lang="nl-NL" dirty="0"/>
-              <a:t>Ankerpunten </a:t>
-            </a:r>
-          </a:p>
-          <a:p>
-            <a:pPr marL="1305676" lvl="2" indent="0">
-              <a:buNone/>
-            </a:pPr>
-            <a:r>
-              <a:rPr lang="nl-NL" dirty="0">
-                <a:sym typeface="Wingdings" panose="05000000000000000000" pitchFamily="2" charset="2"/>
-              </a:rPr>
-              <a:t> verhouding pixels  coördinatenstelsel bepalen</a:t>
-            </a:r>
-            <a:endParaRPr lang="nl-NL" dirty="0"/>
-          </a:p>
-          <a:p>
-            <a:endParaRPr lang="nl-NL" dirty="0"/>
-          </a:p>
-          <a:p>
-            <a:endParaRPr lang="nl-NL" dirty="0"/>
-          </a:p>
-          <a:p>
-            <a:endParaRPr lang="nl-NL" dirty="0"/>
-          </a:p>
-        </p:txBody>
-      </p:sp>
-      <p:sp>
-        <p:nvSpPr>
-          <p:cNvPr id="4" name="Tijdelijke aanduiding voor dianummer 3"/>
-          <p:cNvSpPr>
-            <a:spLocks noGrp="1"/>
-          </p:cNvSpPr>
-          <p:nvPr>
-            <p:ph type="sldNum" sz="quarter" idx="12"/>
-          </p:nvPr>
-        </p:nvSpPr>
-        <p:spPr/>
-        <p:txBody>
-          <a:bodyPr/>
-          <a:lstStyle/>
-          <a:p>
-            <a:fld id="{7AE184E0-0BD4-4705-A12B-9B71DDE63301}" type="slidenum">
-              <a:rPr lang="nl-BE" noProof="0" smtClean="0"/>
-              <a:t>18</a:t>
-            </a:fld>
-            <a:endParaRPr lang="nl-BE" noProof="0" dirty="0"/>
-          </a:p>
-        </p:txBody>
-      </p:sp>
-    </p:spTree>
-    <p:extLst>
-      <p:ext uri="{BB962C8B-B14F-4D97-AF65-F5344CB8AC3E}">
-        <p14:creationId xmlns:p14="http://schemas.microsoft.com/office/powerpoint/2010/main" val="657111344"/>
+        <p14:creationId xmlns:p14="http://schemas.microsoft.com/office/powerpoint/2010/main" val="3024492367"/>
       </p:ext>
     </p:extLst>
   </p:cSld>

--- a/presentaties/EindPresentatie.pptx
+++ b/presentaties/EindPresentatie.pptx
@@ -5,26 +5,32 @@
     <p:sldMasterId id="2147483660" r:id="rId1"/>
   </p:sldMasterIdLst>
   <p:notesMasterIdLst>
-    <p:notesMasterId r:id="rId19"/>
+    <p:notesMasterId r:id="rId25"/>
   </p:notesMasterIdLst>
   <p:sldIdLst>
     <p:sldId id="256" r:id="rId2"/>
     <p:sldId id="260" r:id="rId3"/>
     <p:sldId id="276" r:id="rId4"/>
-    <p:sldId id="285" r:id="rId5"/>
-    <p:sldId id="277" r:id="rId6"/>
+    <p:sldId id="282" r:id="rId5"/>
+    <p:sldId id="289" r:id="rId6"/>
     <p:sldId id="279" r:id="rId7"/>
-    <p:sldId id="278" r:id="rId8"/>
-    <p:sldId id="286" r:id="rId9"/>
-    <p:sldId id="282" r:id="rId10"/>
-    <p:sldId id="280" r:id="rId11"/>
-    <p:sldId id="283" r:id="rId12"/>
-    <p:sldId id="281" r:id="rId13"/>
-    <p:sldId id="284" r:id="rId14"/>
-    <p:sldId id="270" r:id="rId15"/>
-    <p:sldId id="273" r:id="rId16"/>
-    <p:sldId id="287" r:id="rId17"/>
-    <p:sldId id="288" r:id="rId18"/>
+    <p:sldId id="291" r:id="rId8"/>
+    <p:sldId id="285" r:id="rId9"/>
+    <p:sldId id="277" r:id="rId10"/>
+    <p:sldId id="270" r:id="rId11"/>
+    <p:sldId id="286" r:id="rId12"/>
+    <p:sldId id="280" r:id="rId13"/>
+    <p:sldId id="281" r:id="rId14"/>
+    <p:sldId id="273" r:id="rId15"/>
+    <p:sldId id="283" r:id="rId16"/>
+    <p:sldId id="292" r:id="rId17"/>
+    <p:sldId id="293" r:id="rId18"/>
+    <p:sldId id="295" r:id="rId19"/>
+    <p:sldId id="297" r:id="rId20"/>
+    <p:sldId id="294" r:id="rId21"/>
+    <p:sldId id="298" r:id="rId22"/>
+    <p:sldId id="296" r:id="rId23"/>
+    <p:sldId id="288" r:id="rId24"/>
   </p:sldIdLst>
   <p:sldSz cx="17338675" cy="9753600"/>
   <p:notesSz cx="6858000" cy="9144000"/>
@@ -224,7 +230,7 @@
           <a:p>
             <a:fld id="{86680C0C-85DF-417F-8238-DB0D15743621}" type="datetimeFigureOut">
               <a:rPr lang="en-GB" smtClean="0"/>
-              <a:t>10/05/2019</a:t>
+              <a:t>14/05/2019</a:t>
             </a:fld>
             <a:endParaRPr lang="en-GB"/>
           </a:p>
@@ -651,7 +657,7 @@
           <a:p>
             <a:fld id="{539A0A48-EDB1-4AFE-B1B7-10CE2A416496}" type="slidenum">
               <a:rPr lang="en-GB" smtClean="0"/>
-              <a:t>4</a:t>
+              <a:t>5</a:t>
             </a:fld>
             <a:endParaRPr lang="en-GB"/>
           </a:p>
@@ -660,7 +666,7 @@
     </p:spTree>
     <p:extLst>
       <p:ext uri="{BB962C8B-B14F-4D97-AF65-F5344CB8AC3E}">
-        <p14:creationId xmlns:p14="http://schemas.microsoft.com/office/powerpoint/2010/main" val="2865474068"/>
+        <p14:creationId xmlns:p14="http://schemas.microsoft.com/office/powerpoint/2010/main" val="3151352528"/>
       </p:ext>
     </p:extLst>
   </p:cSld>
@@ -749,7 +755,185 @@
     </p:spTree>
     <p:extLst>
       <p:ext uri="{BB962C8B-B14F-4D97-AF65-F5344CB8AC3E}">
+        <p14:creationId xmlns:p14="http://schemas.microsoft.com/office/powerpoint/2010/main" val="2865474068"/>
+      </p:ext>
+    </p:extLst>
+  </p:cSld>
+  <p:clrMapOvr>
+    <a:masterClrMapping/>
+  </p:clrMapOvr>
+</p:notes>
+</file>
+
+<file path=ppt/notesSlides/notesSlide4.xml><?xml version="1.0" encoding="utf-8"?>
+<p:notes xmlns:a="http://schemas.openxmlformats.org/drawingml/2006/main" xmlns:r="http://schemas.openxmlformats.org/officeDocument/2006/relationships" xmlns:p="http://schemas.openxmlformats.org/presentationml/2006/main">
+  <p:cSld>
+    <p:spTree>
+      <p:nvGrpSpPr>
+        <p:cNvPr id="1" name=""/>
+        <p:cNvGrpSpPr/>
+        <p:nvPr/>
+      </p:nvGrpSpPr>
+      <p:grpSpPr>
+        <a:xfrm>
+          <a:off x="0" y="0"/>
+          <a:ext cx="0" cy="0"/>
+          <a:chOff x="0" y="0"/>
+          <a:chExt cx="0" cy="0"/>
+        </a:xfrm>
+      </p:grpSpPr>
+      <p:sp>
+        <p:nvSpPr>
+          <p:cNvPr id="2" name="Slide Image Placeholder 1"/>
+          <p:cNvSpPr>
+            <a:spLocks noGrp="1" noRot="1" noChangeAspect="1"/>
+          </p:cNvSpPr>
+          <p:nvPr>
+            <p:ph type="sldImg"/>
+          </p:nvPr>
+        </p:nvSpPr>
+        <p:spPr>
+          <a:xfrm>
+            <a:off x="687388" y="1143000"/>
+            <a:ext cx="5483225" cy="3086100"/>
+          </a:xfrm>
+        </p:spPr>
+      </p:sp>
+      <p:sp>
+        <p:nvSpPr>
+          <p:cNvPr id="3" name="Notes Placeholder 2"/>
+          <p:cNvSpPr>
+            <a:spLocks noGrp="1"/>
+          </p:cNvSpPr>
+          <p:nvPr>
+            <p:ph type="body" idx="1"/>
+          </p:nvPr>
+        </p:nvSpPr>
+        <p:spPr/>
+        <p:txBody>
+          <a:bodyPr/>
+          <a:lstStyle/>
+          <a:p>
+            <a:endParaRPr lang="en-GB"/>
+          </a:p>
+        </p:txBody>
+      </p:sp>
+      <p:sp>
+        <p:nvSpPr>
+          <p:cNvPr id="4" name="Slide Number Placeholder 3"/>
+          <p:cNvSpPr>
+            <a:spLocks noGrp="1"/>
+          </p:cNvSpPr>
+          <p:nvPr>
+            <p:ph type="sldNum" sz="quarter" idx="10"/>
+          </p:nvPr>
+        </p:nvSpPr>
+        <p:spPr/>
+        <p:txBody>
+          <a:bodyPr/>
+          <a:lstStyle/>
+          <a:p>
+            <a:fld id="{539A0A48-EDB1-4AFE-B1B7-10CE2A416496}" type="slidenum">
+              <a:rPr lang="en-GB" smtClean="0"/>
+              <a:t>11</a:t>
+            </a:fld>
+            <a:endParaRPr lang="en-GB"/>
+          </a:p>
+        </p:txBody>
+      </p:sp>
+    </p:spTree>
+    <p:extLst>
+      <p:ext uri="{BB962C8B-B14F-4D97-AF65-F5344CB8AC3E}">
         <p14:creationId xmlns:p14="http://schemas.microsoft.com/office/powerpoint/2010/main" val="3993710841"/>
+      </p:ext>
+    </p:extLst>
+  </p:cSld>
+  <p:clrMapOvr>
+    <a:masterClrMapping/>
+  </p:clrMapOvr>
+</p:notes>
+</file>
+
+<file path=ppt/notesSlides/notesSlide5.xml><?xml version="1.0" encoding="utf-8"?>
+<p:notes xmlns:a="http://schemas.openxmlformats.org/drawingml/2006/main" xmlns:r="http://schemas.openxmlformats.org/officeDocument/2006/relationships" xmlns:p="http://schemas.openxmlformats.org/presentationml/2006/main">
+  <p:cSld>
+    <p:spTree>
+      <p:nvGrpSpPr>
+        <p:cNvPr id="1" name=""/>
+        <p:cNvGrpSpPr/>
+        <p:nvPr/>
+      </p:nvGrpSpPr>
+      <p:grpSpPr>
+        <a:xfrm>
+          <a:off x="0" y="0"/>
+          <a:ext cx="0" cy="0"/>
+          <a:chOff x="0" y="0"/>
+          <a:chExt cx="0" cy="0"/>
+        </a:xfrm>
+      </p:grpSpPr>
+      <p:sp>
+        <p:nvSpPr>
+          <p:cNvPr id="2" name="Slide Image Placeholder 1"/>
+          <p:cNvSpPr>
+            <a:spLocks noGrp="1" noRot="1" noChangeAspect="1"/>
+          </p:cNvSpPr>
+          <p:nvPr>
+            <p:ph type="sldImg"/>
+          </p:nvPr>
+        </p:nvSpPr>
+        <p:spPr>
+          <a:xfrm>
+            <a:off x="687388" y="1143000"/>
+            <a:ext cx="5483225" cy="3086100"/>
+          </a:xfrm>
+        </p:spPr>
+      </p:sp>
+      <p:sp>
+        <p:nvSpPr>
+          <p:cNvPr id="3" name="Notes Placeholder 2"/>
+          <p:cNvSpPr>
+            <a:spLocks noGrp="1"/>
+          </p:cNvSpPr>
+          <p:nvPr>
+            <p:ph type="body" idx="1"/>
+          </p:nvPr>
+        </p:nvSpPr>
+        <p:spPr/>
+        <p:txBody>
+          <a:bodyPr/>
+          <a:lstStyle/>
+          <a:p>
+            <a:endParaRPr lang="en-GB"/>
+          </a:p>
+        </p:txBody>
+      </p:sp>
+      <p:sp>
+        <p:nvSpPr>
+          <p:cNvPr id="4" name="Slide Number Placeholder 3"/>
+          <p:cNvSpPr>
+            <a:spLocks noGrp="1"/>
+          </p:cNvSpPr>
+          <p:nvPr>
+            <p:ph type="sldNum" sz="quarter" idx="10"/>
+          </p:nvPr>
+        </p:nvSpPr>
+        <p:spPr/>
+        <p:txBody>
+          <a:bodyPr/>
+          <a:lstStyle/>
+          <a:p>
+            <a:fld id="{539A0A48-EDB1-4AFE-B1B7-10CE2A416496}" type="slidenum">
+              <a:rPr lang="en-GB" smtClean="0"/>
+              <a:t>16</a:t>
+            </a:fld>
+            <a:endParaRPr lang="en-GB"/>
+          </a:p>
+        </p:txBody>
+      </p:sp>
+    </p:spTree>
+    <p:extLst>
+      <p:ext uri="{BB962C8B-B14F-4D97-AF65-F5344CB8AC3E}">
+        <p14:creationId xmlns:p14="http://schemas.microsoft.com/office/powerpoint/2010/main" val="138374120"/>
       </p:ext>
     </p:extLst>
   </p:cSld>
@@ -793,7 +977,7 @@
           <a:p>
             <a:fld id="{5A24147F-ED97-47AF-A1B3-C82A179CF7F3}" type="datetime1">
               <a:rPr lang="nl-NL" smtClean="0"/>
-              <a:t>10-5-2019</a:t>
+              <a:t>14-5-2019</a:t>
             </a:fld>
             <a:endParaRPr lang="en-GB"/>
           </a:p>
@@ -1871,7 +2055,7 @@
           <a:p>
             <a:fld id="{25470885-0B31-4E06-AE71-7E16801F2838}" type="datetime1">
               <a:rPr lang="nl-BE" noProof="0" smtClean="0"/>
-              <a:t>10/05/2019</a:t>
+              <a:t>14/05/2019</a:t>
             </a:fld>
             <a:endParaRPr lang="nl-BE" noProof="0" dirty="0"/>
           </a:p>
@@ -1989,7 +2173,7 @@
           <a:p>
             <a:fld id="{E7410F60-8C93-4C37-B51A-4DDAE36F7E9B}" type="datetime1">
               <a:rPr lang="nl-BE" noProof="0" smtClean="0"/>
-              <a:t>10/05/2019</a:t>
+              <a:t>14/05/2019</a:t>
             </a:fld>
             <a:endParaRPr lang="nl-BE" noProof="0" dirty="0"/>
           </a:p>
@@ -2268,7 +2452,7 @@
           <a:p>
             <a:fld id="{656594B6-17DF-4759-A7A5-128AFEA77F2C}" type="datetime1">
               <a:rPr lang="nl-BE" noProof="0" smtClean="0"/>
-              <a:t>10/05/2019</a:t>
+              <a:t>14/05/2019</a:t>
             </a:fld>
             <a:endParaRPr lang="nl-BE" noProof="0" dirty="0"/>
           </a:p>
@@ -2409,7 +2593,7 @@
           <a:p>
             <a:fld id="{66A81384-1200-4D40-BEF0-3A17A1F906F4}" type="datetime1">
               <a:rPr lang="nl-NL" noProof="0" smtClean="0"/>
-              <a:t>10-5-2019</a:t>
+              <a:t>14-5-2019</a:t>
             </a:fld>
             <a:endParaRPr lang="nl-NL" noProof="0" dirty="0"/>
           </a:p>
@@ -2950,7 +3134,7 @@
           <a:p>
             <a:fld id="{FA870D1A-A3AB-4E9F-892E-C45B5A80FDBF}" type="datetime1">
               <a:rPr lang="nl-BE" noProof="0" smtClean="0"/>
-              <a:t>10/05/2019</a:t>
+              <a:t>14/05/2019</a:t>
             </a:fld>
             <a:endParaRPr lang="nl-BE" noProof="0" dirty="0"/>
           </a:p>
@@ -3661,7 +3845,7 @@
           <a:p>
             <a:r>
               <a:rPr lang="nl-NL" dirty="0"/>
-              <a:t>Team – drone1</a:t>
+              <a:t>Eindpresentatie – drone1</a:t>
             </a:r>
           </a:p>
         </p:txBody>
@@ -3718,6 +3902,199 @@
           <a:p>
             <a:r>
               <a:rPr lang="nl-NL" dirty="0"/>
+              <a:t>uitbreidingen</a:t>
+            </a:r>
+          </a:p>
+        </p:txBody>
+      </p:sp>
+      <p:sp>
+        <p:nvSpPr>
+          <p:cNvPr id="4" name="Tijdelijke aanduiding voor dianummer 3"/>
+          <p:cNvSpPr>
+            <a:spLocks noGrp="1"/>
+          </p:cNvSpPr>
+          <p:nvPr>
+            <p:ph type="sldNum" sz="quarter" idx="12"/>
+          </p:nvPr>
+        </p:nvSpPr>
+        <p:spPr/>
+        <p:txBody>
+          <a:bodyPr/>
+          <a:lstStyle/>
+          <a:p>
+            <a:fld id="{7AE184E0-0BD4-4705-A12B-9B71DDE63301}" type="slidenum">
+              <a:rPr lang="nl-BE" noProof="0" smtClean="0"/>
+              <a:t>10</a:t>
+            </a:fld>
+            <a:endParaRPr lang="nl-BE" noProof="0" dirty="0"/>
+          </a:p>
+        </p:txBody>
+      </p:sp>
+      <p:pic>
+        <p:nvPicPr>
+          <p:cNvPr id="6" name="Afbeelding 5">
+            <a:extLst>
+              <a:ext uri="{FF2B5EF4-FFF2-40B4-BE49-F238E27FC236}">
+                <a16:creationId xmlns:a16="http://schemas.microsoft.com/office/drawing/2014/main" id="{618BE7AC-9F89-4359-A96A-4820050841E7}"/>
+              </a:ext>
+            </a:extLst>
+          </p:cNvPr>
+          <p:cNvPicPr>
+            <a:picLocks noChangeAspect="1"/>
+          </p:cNvPicPr>
+          <p:nvPr/>
+        </p:nvPicPr>
+        <p:blipFill>
+          <a:blip r:embed="rId2">
+            <a:extLst>
+              <a:ext uri="{28A0092B-C50C-407E-A947-70E740481C1C}">
+                <a14:useLocalDpi xmlns:a14="http://schemas.microsoft.com/office/drawing/2010/main" val="0"/>
+              </a:ext>
+            </a:extLst>
+          </a:blip>
+          <a:stretch>
+            <a:fillRect/>
+          </a:stretch>
+        </p:blipFill>
+        <p:spPr>
+          <a:xfrm>
+            <a:off x="2493320" y="960798"/>
+            <a:ext cx="12165123" cy="8792802"/>
+          </a:xfrm>
+          <a:prstGeom prst="rect">
+            <a:avLst/>
+          </a:prstGeom>
+        </p:spPr>
+      </p:pic>
+    </p:spTree>
+    <p:extLst>
+      <p:ext uri="{BB962C8B-B14F-4D97-AF65-F5344CB8AC3E}">
+        <p14:creationId xmlns:p14="http://schemas.microsoft.com/office/powerpoint/2010/main" val="1318357495"/>
+      </p:ext>
+    </p:extLst>
+  </p:cSld>
+  <p:clrMapOvr>
+    <a:masterClrMapping/>
+  </p:clrMapOvr>
+</p:sld>
+</file>
+
+<file path=ppt/slides/slide11.xml><?xml version="1.0" encoding="utf-8"?>
+<p:sld xmlns:a="http://schemas.openxmlformats.org/drawingml/2006/main" xmlns:r="http://schemas.openxmlformats.org/officeDocument/2006/relationships" xmlns:p="http://schemas.openxmlformats.org/presentationml/2006/main">
+  <p:cSld>
+    <p:spTree>
+      <p:nvGrpSpPr>
+        <p:cNvPr id="1" name=""/>
+        <p:cNvGrpSpPr/>
+        <p:nvPr/>
+      </p:nvGrpSpPr>
+      <p:grpSpPr>
+        <a:xfrm>
+          <a:off x="0" y="0"/>
+          <a:ext cx="0" cy="0"/>
+          <a:chOff x="0" y="0"/>
+          <a:chExt cx="0" cy="0"/>
+        </a:xfrm>
+      </p:grpSpPr>
+      <p:sp>
+        <p:nvSpPr>
+          <p:cNvPr id="8" name="Titel 7"/>
+          <p:cNvSpPr>
+            <a:spLocks noGrp="1"/>
+          </p:cNvSpPr>
+          <p:nvPr>
+            <p:ph type="ctrTitle"/>
+          </p:nvPr>
+        </p:nvSpPr>
+        <p:spPr/>
+        <p:txBody>
+          <a:bodyPr/>
+          <a:lstStyle/>
+          <a:p>
+            <a:r>
+              <a:rPr lang="nl-BE" u="none" dirty="0"/>
+              <a:t>Technologieën</a:t>
+            </a:r>
+            <a:endParaRPr lang="nl-NL" u="none" dirty="0"/>
+          </a:p>
+        </p:txBody>
+      </p:sp>
+      <p:sp>
+        <p:nvSpPr>
+          <p:cNvPr id="5" name="Slide Number Placeholder 4"/>
+          <p:cNvSpPr>
+            <a:spLocks noGrp="1"/>
+          </p:cNvSpPr>
+          <p:nvPr>
+            <p:ph type="sldNum" sz="quarter" idx="4"/>
+          </p:nvPr>
+        </p:nvSpPr>
+        <p:spPr/>
+        <p:txBody>
+          <a:bodyPr/>
+          <a:lstStyle/>
+          <a:p>
+            <a:fld id="{7AE184E0-0BD4-4705-A12B-9B71DDE63301}" type="slidenum">
+              <a:rPr lang="nl-BE" smtClean="0"/>
+              <a:pPr/>
+              <a:t>11</a:t>
+            </a:fld>
+            <a:endParaRPr lang="nl-BE" dirty="0"/>
+          </a:p>
+        </p:txBody>
+      </p:sp>
+    </p:spTree>
+    <p:extLst>
+      <p:ext uri="{BB962C8B-B14F-4D97-AF65-F5344CB8AC3E}">
+        <p14:creationId xmlns:p14="http://schemas.microsoft.com/office/powerpoint/2010/main" val="1759474902"/>
+      </p:ext>
+    </p:extLst>
+  </p:cSld>
+  <p:clrMapOvr>
+    <a:masterClrMapping/>
+  </p:clrMapOvr>
+</p:sld>
+</file>
+
+<file path=ppt/slides/slide12.xml><?xml version="1.0" encoding="utf-8"?>
+<p:sld xmlns:a="http://schemas.openxmlformats.org/drawingml/2006/main" xmlns:r="http://schemas.openxmlformats.org/officeDocument/2006/relationships" xmlns:p="http://schemas.openxmlformats.org/presentationml/2006/main">
+  <p:cSld>
+    <p:spTree>
+      <p:nvGrpSpPr>
+        <p:cNvPr id="1" name=""/>
+        <p:cNvGrpSpPr/>
+        <p:nvPr/>
+      </p:nvGrpSpPr>
+      <p:grpSpPr>
+        <a:xfrm>
+          <a:off x="0" y="0"/>
+          <a:ext cx="0" cy="0"/>
+          <a:chOff x="0" y="0"/>
+          <a:chExt cx="0" cy="0"/>
+        </a:xfrm>
+      </p:grpSpPr>
+      <p:sp>
+        <p:nvSpPr>
+          <p:cNvPr id="2" name="Titel 1"/>
+          <p:cNvSpPr>
+            <a:spLocks noGrp="1"/>
+          </p:cNvSpPr>
+          <p:nvPr>
+            <p:ph type="title"/>
+          </p:nvPr>
+        </p:nvSpPr>
+        <p:spPr>
+          <a:xfrm>
+            <a:off x="830120" y="136030"/>
+            <a:ext cx="15705281" cy="863693"/>
+          </a:xfrm>
+        </p:spPr>
+        <p:txBody>
+          <a:bodyPr/>
+          <a:lstStyle/>
+          <a:p>
+            <a:r>
+              <a:rPr lang="nl-NL" dirty="0"/>
               <a:t>Leaflet</a:t>
             </a:r>
           </a:p>
@@ -3914,7 +4291,7 @@
           <a:p>
             <a:fld id="{7AE184E0-0BD4-4705-A12B-9B71DDE63301}" type="slidenum">
               <a:rPr lang="nl-BE" noProof="0" smtClean="0"/>
-              <a:t>10</a:t>
+              <a:t>12</a:t>
             </a:fld>
             <a:endParaRPr lang="nl-BE" noProof="0" dirty="0"/>
           </a:p>
@@ -4034,7 +4411,7 @@
 </p:sld>
 </file>
 
-<file path=ppt/slides/slide11.xml><?xml version="1.0" encoding="utf-8"?>
+<file path=ppt/slides/slide13.xml><?xml version="1.0" encoding="utf-8"?>
 <p:sld xmlns:a="http://schemas.openxmlformats.org/drawingml/2006/main" xmlns:r="http://schemas.openxmlformats.org/officeDocument/2006/relationships" xmlns:p="http://schemas.openxmlformats.org/presentationml/2006/main">
   <p:cSld>
     <p:spTree>
@@ -4072,10 +4449,9 @@
           <a:lstStyle/>
           <a:p>
             <a:r>
-              <a:rPr lang="nl-NL" dirty="0" err="1"/>
-              <a:t>Pathfinding</a:t>
-            </a:r>
-            <a:endParaRPr lang="nl-NL" dirty="0"/>
+              <a:rPr lang="nl-NL" dirty="0"/>
+              <a:t>Node-RED</a:t>
+            </a:r>
           </a:p>
         </p:txBody>
       </p:sp>
@@ -4089,7 +4465,12 @@
             <p:ph idx="1"/>
           </p:nvPr>
         </p:nvSpPr>
-        <p:spPr/>
+        <p:spPr>
+          <a:xfrm>
+            <a:off x="835826" y="1277263"/>
+            <a:ext cx="15676574" cy="3846287"/>
+          </a:xfrm>
+        </p:spPr>
         <p:txBody>
           <a:bodyPr>
             <a:normAutofit/>
@@ -4097,58 +4478,49 @@
           <a:lstStyle/>
           <a:p>
             <a:r>
-              <a:rPr lang="nl-NL" dirty="0"/>
-              <a:t>Zelf tekenen of laten genereren</a:t>
-            </a:r>
-          </a:p>
-          <a:p>
-            <a:r>
-              <a:rPr lang="nl-NL" dirty="0"/>
-              <a:t>A*-algoritme met extra condities</a:t>
-            </a:r>
-          </a:p>
-          <a:p>
-            <a:r>
-              <a:rPr lang="nl-NL" dirty="0"/>
-              <a:t>Corrigeren van onmogelijke routes bij obstakels</a:t>
-            </a:r>
-          </a:p>
-          <a:p>
-            <a:pPr lvl="1"/>
-            <a:endParaRPr lang="nl-NL" dirty="0"/>
-          </a:p>
-          <a:p>
-            <a:r>
-              <a:rPr lang="nl-NL" dirty="0"/>
-              <a:t>Dynamische </a:t>
-            </a:r>
-            <a:r>
-              <a:rPr lang="nl-NL" dirty="0" err="1"/>
-              <a:t>waypoints</a:t>
-            </a:r>
-            <a:endParaRPr lang="nl-NL" dirty="0"/>
-          </a:p>
-          <a:p>
-            <a:pPr lvl="1"/>
-            <a:r>
-              <a:rPr lang="nl-NL" dirty="0"/>
-              <a:t>Verminderen + </a:t>
-            </a:r>
-            <a:r>
-              <a:rPr lang="nl-NL" dirty="0" err="1"/>
-              <a:t>herberekenen</a:t>
-            </a:r>
-            <a:endParaRPr lang="nl-NL" dirty="0"/>
-          </a:p>
-          <a:p>
-            <a:pPr lvl="1"/>
-            <a:endParaRPr lang="nl-NL" dirty="0"/>
-          </a:p>
-          <a:p>
-            <a:endParaRPr lang="nl-NL" dirty="0"/>
-          </a:p>
-          <a:p>
-            <a:endParaRPr lang="nl-NL" dirty="0"/>
+              <a:rPr lang="nl-NL" sz="4400" dirty="0"/>
+              <a:t>Flow-gebaseerd visueel programmeren voor </a:t>
+            </a:r>
+            <a:r>
+              <a:rPr lang="nl-NL" sz="4400" dirty="0" err="1"/>
+              <a:t>IoT</a:t>
+            </a:r>
+            <a:r>
+              <a:rPr lang="nl-NL" sz="4400" dirty="0"/>
+              <a:t> </a:t>
+            </a:r>
+          </a:p>
+          <a:p>
+            <a:r>
+              <a:rPr lang="nl-NL" sz="4400" dirty="0"/>
+              <a:t>Makkelijk verschillende protocollen hanteren</a:t>
+            </a:r>
+          </a:p>
+          <a:p>
+            <a:r>
+              <a:rPr lang="nl-NL" sz="4400" dirty="0"/>
+              <a:t>Ondersteuning MQTT, HTTP, </a:t>
+            </a:r>
+            <a:r>
+              <a:rPr lang="nl-NL" sz="4400" dirty="0" err="1"/>
+              <a:t>WebSocket</a:t>
+            </a:r>
+            <a:r>
+              <a:rPr lang="nl-NL" sz="4400" dirty="0"/>
+              <a:t>,… eindpunten</a:t>
+            </a:r>
+          </a:p>
+          <a:p>
+            <a:endParaRPr lang="nl-NL" sz="4400" dirty="0"/>
+          </a:p>
+          <a:p>
+            <a:endParaRPr lang="nl-NL" sz="4400" dirty="0"/>
+          </a:p>
+          <a:p>
+            <a:endParaRPr lang="nl-NL" sz="4400" dirty="0"/>
+          </a:p>
+          <a:p>
+            <a:endParaRPr lang="nl-NL" sz="4400" dirty="0"/>
           </a:p>
         </p:txBody>
       </p:sp>
@@ -4169,203 +4541,7 @@
           <a:p>
             <a:fld id="{7AE184E0-0BD4-4705-A12B-9B71DDE63301}" type="slidenum">
               <a:rPr lang="nl-BE" noProof="0" smtClean="0"/>
-              <a:t>11</a:t>
-            </a:fld>
-            <a:endParaRPr lang="nl-BE" noProof="0" dirty="0"/>
-          </a:p>
-        </p:txBody>
-      </p:sp>
-      <p:pic>
-        <p:nvPicPr>
-          <p:cNvPr id="2052" name="Picture 4" descr="File:Astar progress animation.gif">
-            <a:extLst>
-              <a:ext uri="{FF2B5EF4-FFF2-40B4-BE49-F238E27FC236}">
-                <a16:creationId xmlns:a16="http://schemas.microsoft.com/office/drawing/2014/main" id="{13B2B536-EDA7-441E-BFE0-C0621AAB3505}"/>
-              </a:ext>
-            </a:extLst>
-          </p:cNvPr>
-          <p:cNvPicPr>
-            <a:picLocks noChangeAspect="1" noChangeArrowheads="1" noCrop="1"/>
-          </p:cNvPicPr>
-          <p:nvPr/>
-        </p:nvPicPr>
-        <p:blipFill>
-          <a:blip r:embed="rId2">
-            <a:extLst>
-              <a:ext uri="{28A0092B-C50C-407E-A947-70E740481C1C}">
-                <a14:useLocalDpi xmlns:a14="http://schemas.microsoft.com/office/drawing/2010/main" val="0"/>
-              </a:ext>
-            </a:extLst>
-          </a:blip>
-          <a:srcRect/>
-          <a:stretch>
-            <a:fillRect/>
-          </a:stretch>
-        </p:blipFill>
-        <p:spPr bwMode="auto">
-          <a:xfrm>
-            <a:off x="11611431" y="4768316"/>
-            <a:ext cx="4440032" cy="4440032"/>
-          </a:xfrm>
-          <a:prstGeom prst="rect">
-            <a:avLst/>
-          </a:prstGeom>
-          <a:noFill/>
-          <a:extLst>
-            <a:ext uri="{909E8E84-426E-40DD-AFC4-6F175D3DCCD1}">
-              <a14:hiddenFill xmlns:a14="http://schemas.microsoft.com/office/drawing/2010/main">
-                <a:solidFill>
-                  <a:srgbClr val="FFFFFF"/>
-                </a:solidFill>
-              </a14:hiddenFill>
-            </a:ext>
-          </a:extLst>
-        </p:spPr>
-      </p:pic>
-    </p:spTree>
-    <p:extLst>
-      <p:ext uri="{BB962C8B-B14F-4D97-AF65-F5344CB8AC3E}">
-        <p14:creationId xmlns:p14="http://schemas.microsoft.com/office/powerpoint/2010/main" val="3522922512"/>
-      </p:ext>
-    </p:extLst>
-  </p:cSld>
-  <p:clrMapOvr>
-    <a:masterClrMapping/>
-  </p:clrMapOvr>
-</p:sld>
-</file>
-
-<file path=ppt/slides/slide12.xml><?xml version="1.0" encoding="utf-8"?>
-<p:sld xmlns:a="http://schemas.openxmlformats.org/drawingml/2006/main" xmlns:r="http://schemas.openxmlformats.org/officeDocument/2006/relationships" xmlns:p="http://schemas.openxmlformats.org/presentationml/2006/main">
-  <p:cSld>
-    <p:spTree>
-      <p:nvGrpSpPr>
-        <p:cNvPr id="1" name=""/>
-        <p:cNvGrpSpPr/>
-        <p:nvPr/>
-      </p:nvGrpSpPr>
-      <p:grpSpPr>
-        <a:xfrm>
-          <a:off x="0" y="0"/>
-          <a:ext cx="0" cy="0"/>
-          <a:chOff x="0" y="0"/>
-          <a:chExt cx="0" cy="0"/>
-        </a:xfrm>
-      </p:grpSpPr>
-      <p:sp>
-        <p:nvSpPr>
-          <p:cNvPr id="2" name="Titel 1"/>
-          <p:cNvSpPr>
-            <a:spLocks noGrp="1"/>
-          </p:cNvSpPr>
-          <p:nvPr>
-            <p:ph type="title"/>
-          </p:nvPr>
-        </p:nvSpPr>
-        <p:spPr>
-          <a:xfrm>
-            <a:off x="830120" y="136030"/>
-            <a:ext cx="15705281" cy="863693"/>
-          </a:xfrm>
-        </p:spPr>
-        <p:txBody>
-          <a:bodyPr/>
-          <a:lstStyle/>
-          <a:p>
-            <a:r>
-              <a:rPr lang="nl-NL" dirty="0"/>
-              <a:t>Node-RED</a:t>
-            </a:r>
-          </a:p>
-        </p:txBody>
-      </p:sp>
-      <p:sp>
-        <p:nvSpPr>
-          <p:cNvPr id="3" name="Tijdelijke aanduiding voor inhoud 2"/>
-          <p:cNvSpPr>
-            <a:spLocks noGrp="1"/>
-          </p:cNvSpPr>
-          <p:nvPr>
-            <p:ph idx="1"/>
-          </p:nvPr>
-        </p:nvSpPr>
-        <p:spPr>
-          <a:xfrm>
-            <a:off x="835826" y="1277263"/>
-            <a:ext cx="15676574" cy="3846287"/>
-          </a:xfrm>
-        </p:spPr>
-        <p:txBody>
-          <a:bodyPr>
-            <a:normAutofit/>
-          </a:bodyPr>
-          <a:lstStyle/>
-          <a:p>
-            <a:r>
-              <a:rPr lang="nl-NL" sz="4400" dirty="0"/>
-              <a:t>Flow-gebaseerd visueel programmeren voor </a:t>
-            </a:r>
-            <a:r>
-              <a:rPr lang="nl-NL" sz="4400" dirty="0" err="1"/>
-              <a:t>IoT</a:t>
-            </a:r>
-            <a:r>
-              <a:rPr lang="nl-NL" sz="4400" dirty="0"/>
-              <a:t> </a:t>
-            </a:r>
-          </a:p>
-          <a:p>
-            <a:r>
-              <a:rPr lang="nl-NL" sz="4400" dirty="0"/>
-              <a:t>Makkelijk verschillende protocollen hanteren</a:t>
-            </a:r>
-          </a:p>
-          <a:p>
-            <a:r>
-              <a:rPr lang="nl-NL" sz="4400" dirty="0"/>
-              <a:t>Ondersteuning MQTT, HTTP, </a:t>
-            </a:r>
-            <a:r>
-              <a:rPr lang="nl-NL" sz="4400" dirty="0" err="1"/>
-              <a:t>WebSocket</a:t>
-            </a:r>
-            <a:r>
-              <a:rPr lang="nl-NL" sz="4400" dirty="0"/>
-              <a:t>,… eindpunten</a:t>
-            </a:r>
-          </a:p>
-          <a:p>
-            <a:endParaRPr lang="nl-NL" sz="4400" dirty="0"/>
-          </a:p>
-          <a:p>
-            <a:endParaRPr lang="nl-NL" sz="4400" dirty="0"/>
-          </a:p>
-          <a:p>
-            <a:endParaRPr lang="nl-NL" sz="4400" dirty="0"/>
-          </a:p>
-          <a:p>
-            <a:endParaRPr lang="nl-NL" sz="4400" dirty="0"/>
-          </a:p>
-        </p:txBody>
-      </p:sp>
-      <p:sp>
-        <p:nvSpPr>
-          <p:cNvPr id="4" name="Tijdelijke aanduiding voor dianummer 3"/>
-          <p:cNvSpPr>
-            <a:spLocks noGrp="1"/>
-          </p:cNvSpPr>
-          <p:nvPr>
-            <p:ph type="sldNum" sz="quarter" idx="12"/>
-          </p:nvPr>
-        </p:nvSpPr>
-        <p:spPr/>
-        <p:txBody>
-          <a:bodyPr/>
-          <a:lstStyle/>
-          <a:p>
-            <a:fld id="{7AE184E0-0BD4-4705-A12B-9B71DDE63301}" type="slidenum">
-              <a:rPr lang="nl-BE" noProof="0" smtClean="0"/>
-              <a:t>12</a:t>
+              <a:t>13</a:t>
             </a:fld>
             <a:endParaRPr lang="nl-BE" noProof="0" dirty="0"/>
           </a:p>
@@ -4449,180 +4625,12 @@
           </a:prstGeom>
         </p:spPr>
       </p:pic>
-    </p:spTree>
-    <p:extLst>
-      <p:ext uri="{BB962C8B-B14F-4D97-AF65-F5344CB8AC3E}">
-        <p14:creationId xmlns:p14="http://schemas.microsoft.com/office/powerpoint/2010/main" val="4092504551"/>
-      </p:ext>
-    </p:extLst>
-  </p:cSld>
-  <p:clrMapOvr>
-    <a:masterClrMapping/>
-  </p:clrMapOvr>
-</p:sld>
-</file>
-
-<file path=ppt/slides/slide13.xml><?xml version="1.0" encoding="utf-8"?>
-<p:sld xmlns:a="http://schemas.openxmlformats.org/drawingml/2006/main" xmlns:r="http://schemas.openxmlformats.org/officeDocument/2006/relationships" xmlns:p="http://schemas.openxmlformats.org/presentationml/2006/main">
-  <p:cSld>
-    <p:spTree>
-      <p:nvGrpSpPr>
-        <p:cNvPr id="1" name=""/>
-        <p:cNvGrpSpPr/>
-        <p:nvPr/>
-      </p:nvGrpSpPr>
-      <p:grpSpPr>
-        <a:xfrm>
-          <a:off x="0" y="0"/>
-          <a:ext cx="0" cy="0"/>
-          <a:chOff x="0" y="0"/>
-          <a:chExt cx="0" cy="0"/>
-        </a:xfrm>
-      </p:grpSpPr>
-      <p:sp>
-        <p:nvSpPr>
-          <p:cNvPr id="2" name="Titel 1"/>
-          <p:cNvSpPr>
-            <a:spLocks noGrp="1"/>
-          </p:cNvSpPr>
-          <p:nvPr>
-            <p:ph type="title"/>
-          </p:nvPr>
-        </p:nvSpPr>
-        <p:spPr>
-          <a:xfrm>
-            <a:off x="830120" y="136030"/>
-            <a:ext cx="15705281" cy="863693"/>
-          </a:xfrm>
-        </p:spPr>
-        <p:txBody>
-          <a:bodyPr/>
-          <a:lstStyle/>
-          <a:p>
-            <a:r>
-              <a:rPr lang="nl-NL" dirty="0"/>
-              <a:t>Slimmere </a:t>
-            </a:r>
-            <a:r>
-              <a:rPr lang="nl-NL" dirty="0" err="1"/>
-              <a:t>Mockup</a:t>
-            </a:r>
-            <a:r>
-              <a:rPr lang="nl-NL" dirty="0"/>
-              <a:t> Drone</a:t>
-            </a:r>
-          </a:p>
-        </p:txBody>
-      </p:sp>
-      <p:sp>
-        <p:nvSpPr>
-          <p:cNvPr id="3" name="Tijdelijke aanduiding voor inhoud 2"/>
-          <p:cNvSpPr>
-            <a:spLocks noGrp="1"/>
-          </p:cNvSpPr>
-          <p:nvPr>
-            <p:ph idx="1"/>
-          </p:nvPr>
-        </p:nvSpPr>
-        <p:spPr/>
-        <p:txBody>
-          <a:bodyPr>
-            <a:normAutofit lnSpcReduction="10000"/>
-          </a:bodyPr>
-          <a:lstStyle/>
-          <a:p>
-            <a:r>
-              <a:rPr lang="nl-NL" dirty="0"/>
-              <a:t>Node.js, apart proces</a:t>
-            </a:r>
-          </a:p>
-          <a:p>
-            <a:r>
-              <a:rPr lang="nl-NL" dirty="0"/>
-              <a:t>Ontvangen van commando signalen	</a:t>
-            </a:r>
-          </a:p>
-          <a:p>
-            <a:pPr lvl="1"/>
-            <a:r>
-              <a:rPr lang="nl-NL" dirty="0"/>
-              <a:t>Start, stop, pauzeer</a:t>
-            </a:r>
-          </a:p>
-          <a:p>
-            <a:pPr lvl="1"/>
-            <a:r>
-              <a:rPr lang="nl-NL" dirty="0"/>
-              <a:t>Vliegen naar een coördinaat</a:t>
-            </a:r>
-          </a:p>
-          <a:p>
-            <a:pPr lvl="1"/>
-            <a:r>
-              <a:rPr lang="nl-NL" dirty="0"/>
-              <a:t>Scannen van een locatie</a:t>
-            </a:r>
-          </a:p>
-          <a:p>
-            <a:r>
-              <a:rPr lang="nl-NL" dirty="0"/>
-              <a:t>Versturen van data</a:t>
-            </a:r>
-          </a:p>
-          <a:p>
-            <a:pPr lvl="1"/>
-            <a:r>
-              <a:rPr lang="nl-NL" dirty="0"/>
-              <a:t>Vlucht data (positie, oriëntatie…)</a:t>
-            </a:r>
-          </a:p>
-          <a:p>
-            <a:pPr lvl="1"/>
-            <a:r>
-              <a:rPr lang="nl-NL" dirty="0"/>
-              <a:t>Gescande items</a:t>
-            </a:r>
-          </a:p>
-          <a:p>
-            <a:endParaRPr lang="nl-NL" dirty="0"/>
-          </a:p>
-          <a:p>
-            <a:endParaRPr lang="nl-NL" dirty="0"/>
-          </a:p>
-          <a:p>
-            <a:endParaRPr lang="nl-NL" dirty="0"/>
-          </a:p>
-        </p:txBody>
-      </p:sp>
-      <p:sp>
-        <p:nvSpPr>
-          <p:cNvPr id="4" name="Tijdelijke aanduiding voor dianummer 3"/>
-          <p:cNvSpPr>
-            <a:spLocks noGrp="1"/>
-          </p:cNvSpPr>
-          <p:nvPr>
-            <p:ph type="sldNum" sz="quarter" idx="12"/>
-          </p:nvPr>
-        </p:nvSpPr>
-        <p:spPr/>
-        <p:txBody>
-          <a:bodyPr/>
-          <a:lstStyle/>
-          <a:p>
-            <a:fld id="{7AE184E0-0BD4-4705-A12B-9B71DDE63301}" type="slidenum">
-              <a:rPr lang="nl-BE" noProof="0" smtClean="0"/>
-              <a:t>13</a:t>
-            </a:fld>
-            <a:endParaRPr lang="nl-BE" noProof="0" dirty="0"/>
-          </a:p>
-        </p:txBody>
-      </p:sp>
       <p:pic>
         <p:nvPicPr>
-          <p:cNvPr id="5" name="Picture 2" descr="Afbeeldingsresultaat voor a* gif">
+          <p:cNvPr id="8" name="Picture 2" descr="Afbeeldingsresultaat voor a* gif">
             <a:extLst>
               <a:ext uri="{FF2B5EF4-FFF2-40B4-BE49-F238E27FC236}">
-                <a16:creationId xmlns:a16="http://schemas.microsoft.com/office/drawing/2014/main" id="{C08C1F8C-C3B2-47D0-BB31-0095B436CD62}"/>
+                <a16:creationId xmlns:a16="http://schemas.microsoft.com/office/drawing/2014/main" id="{294DA860-C381-4937-B71E-6FCA528A8294}"/>
               </a:ext>
             </a:extLst>
           </p:cNvPr>
@@ -4632,7 +4640,7 @@
           <p:nvPr/>
         </p:nvPicPr>
         <p:blipFill>
-          <a:blip r:embed="rId2" cstate="print">
+          <a:blip r:embed="rId4" cstate="print">
             <a:extLst>
               <a:ext uri="{28A0092B-C50C-407E-A947-70E740481C1C}">
                 <a14:useLocalDpi xmlns:a14="http://schemas.microsoft.com/office/drawing/2010/main" val="0"/>
@@ -4667,7 +4675,7 @@
     </p:spTree>
     <p:extLst>
       <p:ext uri="{BB962C8B-B14F-4D97-AF65-F5344CB8AC3E}">
-        <p14:creationId xmlns:p14="http://schemas.microsoft.com/office/powerpoint/2010/main" val="1296639874"/>
+        <p14:creationId xmlns:p14="http://schemas.microsoft.com/office/powerpoint/2010/main" val="4092504551"/>
       </p:ext>
     </p:extLst>
   </p:cSld>
@@ -4696,33 +4704,6 @@
       </p:grpSpPr>
       <p:sp>
         <p:nvSpPr>
-          <p:cNvPr id="2" name="Titel 1"/>
-          <p:cNvSpPr>
-            <a:spLocks noGrp="1"/>
-          </p:cNvSpPr>
-          <p:nvPr>
-            <p:ph type="title"/>
-          </p:nvPr>
-        </p:nvSpPr>
-        <p:spPr>
-          <a:xfrm>
-            <a:off x="830120" y="136030"/>
-            <a:ext cx="15705281" cy="863693"/>
-          </a:xfrm>
-        </p:spPr>
-        <p:txBody>
-          <a:bodyPr/>
-          <a:lstStyle/>
-          <a:p>
-            <a:r>
-              <a:rPr lang="nl-NL" dirty="0"/>
-              <a:t>Overzicht</a:t>
-            </a:r>
-          </a:p>
-        </p:txBody>
-      </p:sp>
-      <p:sp>
-        <p:nvSpPr>
           <p:cNvPr id="4" name="Tijdelijke aanduiding voor dianummer 3"/>
           <p:cNvSpPr>
             <a:spLocks noGrp="1"/>
@@ -4739,95 +4720,6 @@
             <a:fld id="{7AE184E0-0BD4-4705-A12B-9B71DDE63301}" type="slidenum">
               <a:rPr lang="nl-BE" noProof="0" smtClean="0"/>
               <a:t>14</a:t>
-            </a:fld>
-            <a:endParaRPr lang="nl-BE" noProof="0" dirty="0"/>
-          </a:p>
-        </p:txBody>
-      </p:sp>
-      <p:pic>
-        <p:nvPicPr>
-          <p:cNvPr id="6" name="Afbeelding 5">
-            <a:extLst>
-              <a:ext uri="{FF2B5EF4-FFF2-40B4-BE49-F238E27FC236}">
-                <a16:creationId xmlns:a16="http://schemas.microsoft.com/office/drawing/2014/main" id="{618BE7AC-9F89-4359-A96A-4820050841E7}"/>
-              </a:ext>
-            </a:extLst>
-          </p:cNvPr>
-          <p:cNvPicPr>
-            <a:picLocks noChangeAspect="1"/>
-          </p:cNvPicPr>
-          <p:nvPr/>
-        </p:nvPicPr>
-        <p:blipFill>
-          <a:blip r:embed="rId2">
-            <a:extLst>
-              <a:ext uri="{28A0092B-C50C-407E-A947-70E740481C1C}">
-                <a14:useLocalDpi xmlns:a14="http://schemas.microsoft.com/office/drawing/2010/main" val="0"/>
-              </a:ext>
-            </a:extLst>
-          </a:blip>
-          <a:stretch>
-            <a:fillRect/>
-          </a:stretch>
-        </p:blipFill>
-        <p:spPr>
-          <a:xfrm>
-            <a:off x="2493320" y="960798"/>
-            <a:ext cx="12165123" cy="8792802"/>
-          </a:xfrm>
-          <a:prstGeom prst="rect">
-            <a:avLst/>
-          </a:prstGeom>
-        </p:spPr>
-      </p:pic>
-    </p:spTree>
-    <p:extLst>
-      <p:ext uri="{BB962C8B-B14F-4D97-AF65-F5344CB8AC3E}">
-        <p14:creationId xmlns:p14="http://schemas.microsoft.com/office/powerpoint/2010/main" val="1318357495"/>
-      </p:ext>
-    </p:extLst>
-  </p:cSld>
-  <p:clrMapOvr>
-    <a:masterClrMapping/>
-  </p:clrMapOvr>
-</p:sld>
-</file>
-
-<file path=ppt/slides/slide15.xml><?xml version="1.0" encoding="utf-8"?>
-<p:sld xmlns:a="http://schemas.openxmlformats.org/drawingml/2006/main" xmlns:r="http://schemas.openxmlformats.org/officeDocument/2006/relationships" xmlns:p="http://schemas.openxmlformats.org/presentationml/2006/main">
-  <p:cSld>
-    <p:spTree>
-      <p:nvGrpSpPr>
-        <p:cNvPr id="1" name=""/>
-        <p:cNvGrpSpPr/>
-        <p:nvPr/>
-      </p:nvGrpSpPr>
-      <p:grpSpPr>
-        <a:xfrm>
-          <a:off x="0" y="0"/>
-          <a:ext cx="0" cy="0"/>
-          <a:chOff x="0" y="0"/>
-          <a:chExt cx="0" cy="0"/>
-        </a:xfrm>
-      </p:grpSpPr>
-      <p:sp>
-        <p:nvSpPr>
-          <p:cNvPr id="4" name="Tijdelijke aanduiding voor dianummer 3"/>
-          <p:cNvSpPr>
-            <a:spLocks noGrp="1"/>
-          </p:cNvSpPr>
-          <p:nvPr>
-            <p:ph type="sldNum" sz="quarter" idx="12"/>
-          </p:nvPr>
-        </p:nvSpPr>
-        <p:spPr/>
-        <p:txBody>
-          <a:bodyPr/>
-          <a:lstStyle/>
-          <a:p>
-            <a:fld id="{7AE184E0-0BD4-4705-A12B-9B71DDE63301}" type="slidenum">
-              <a:rPr lang="nl-BE" noProof="0" smtClean="0"/>
-              <a:t>15</a:t>
             </a:fld>
             <a:endParaRPr lang="nl-BE" noProof="0" dirty="0"/>
           </a:p>
@@ -4941,10 +4833,160 @@
           </a:effectLst>
         </p:spPr>
       </p:pic>
+      <p:sp>
+        <p:nvSpPr>
+          <p:cNvPr id="6" name="Titel 1">
+            <a:extLst>
+              <a:ext uri="{FF2B5EF4-FFF2-40B4-BE49-F238E27FC236}">
+                <a16:creationId xmlns:a16="http://schemas.microsoft.com/office/drawing/2014/main" id="{5E14AD8D-6ADC-40AA-89AD-4D8D467BDE0C}"/>
+              </a:ext>
+            </a:extLst>
+          </p:cNvPr>
+          <p:cNvSpPr>
+            <a:spLocks noGrp="1"/>
+          </p:cNvSpPr>
+          <p:nvPr>
+            <p:ph type="title"/>
+          </p:nvPr>
+        </p:nvSpPr>
+        <p:spPr>
+          <a:xfrm>
+            <a:off x="830120" y="136030"/>
+            <a:ext cx="15705281" cy="863693"/>
+          </a:xfrm>
+        </p:spPr>
+        <p:txBody>
+          <a:bodyPr/>
+          <a:lstStyle/>
+          <a:p>
+            <a:r>
+              <a:rPr lang="nl-NL" dirty="0" err="1"/>
+              <a:t>Responsive</a:t>
+            </a:r>
+            <a:r>
+              <a:rPr lang="nl-NL" dirty="0"/>
+              <a:t> UI + native </a:t>
+            </a:r>
+            <a:r>
+              <a:rPr lang="nl-NL" dirty="0" err="1"/>
+              <a:t>android</a:t>
+            </a:r>
+            <a:r>
+              <a:rPr lang="nl-NL" dirty="0"/>
+              <a:t> app</a:t>
+            </a:r>
+          </a:p>
+        </p:txBody>
+      </p:sp>
     </p:spTree>
     <p:extLst>
       <p:ext uri="{BB962C8B-B14F-4D97-AF65-F5344CB8AC3E}">
         <p14:creationId xmlns:p14="http://schemas.microsoft.com/office/powerpoint/2010/main" val="1859597598"/>
+      </p:ext>
+    </p:extLst>
+  </p:cSld>
+  <p:clrMapOvr>
+    <a:masterClrMapping/>
+  </p:clrMapOvr>
+</p:sld>
+</file>
+
+<file path=ppt/slides/slide15.xml><?xml version="1.0" encoding="utf-8"?>
+<p:sld xmlns:a="http://schemas.openxmlformats.org/drawingml/2006/main" xmlns:r="http://schemas.openxmlformats.org/officeDocument/2006/relationships" xmlns:p="http://schemas.openxmlformats.org/presentationml/2006/main">
+  <p:cSld>
+    <p:spTree>
+      <p:nvGrpSpPr>
+        <p:cNvPr id="1" name=""/>
+        <p:cNvGrpSpPr/>
+        <p:nvPr/>
+      </p:nvGrpSpPr>
+      <p:grpSpPr>
+        <a:xfrm>
+          <a:off x="0" y="0"/>
+          <a:ext cx="0" cy="0"/>
+          <a:chOff x="0" y="0"/>
+          <a:chExt cx="0" cy="0"/>
+        </a:xfrm>
+      </p:grpSpPr>
+      <p:sp>
+        <p:nvSpPr>
+          <p:cNvPr id="2" name="Titel 1"/>
+          <p:cNvSpPr>
+            <a:spLocks noGrp="1"/>
+          </p:cNvSpPr>
+          <p:nvPr>
+            <p:ph type="title"/>
+          </p:nvPr>
+        </p:nvSpPr>
+        <p:spPr>
+          <a:xfrm>
+            <a:off x="830120" y="136030"/>
+            <a:ext cx="15705281" cy="863693"/>
+          </a:xfrm>
+        </p:spPr>
+        <p:txBody>
+          <a:bodyPr/>
+          <a:lstStyle/>
+          <a:p>
+            <a:r>
+              <a:rPr lang="nl-NL" dirty="0" err="1"/>
+              <a:t>Pathfinding</a:t>
+            </a:r>
+            <a:endParaRPr lang="nl-NL" dirty="0"/>
+          </a:p>
+        </p:txBody>
+      </p:sp>
+      <p:sp>
+        <p:nvSpPr>
+          <p:cNvPr id="3" name="Tijdelijke aanduiding voor inhoud 2"/>
+          <p:cNvSpPr>
+            <a:spLocks noGrp="1"/>
+          </p:cNvSpPr>
+          <p:nvPr>
+            <p:ph idx="1"/>
+          </p:nvPr>
+        </p:nvSpPr>
+        <p:spPr/>
+        <p:txBody>
+          <a:bodyPr>
+            <a:normAutofit/>
+          </a:bodyPr>
+          <a:lstStyle/>
+          <a:p>
+            <a:r>
+              <a:rPr lang="nl-NL" dirty="0"/>
+              <a:t>&lt;Robbe algoritme uitleg&gt;</a:t>
+            </a:r>
+          </a:p>
+        </p:txBody>
+      </p:sp>
+      <p:sp>
+        <p:nvSpPr>
+          <p:cNvPr id="4" name="Tijdelijke aanduiding voor dianummer 3"/>
+          <p:cNvSpPr>
+            <a:spLocks noGrp="1"/>
+          </p:cNvSpPr>
+          <p:nvPr>
+            <p:ph type="sldNum" sz="quarter" idx="12"/>
+          </p:nvPr>
+        </p:nvSpPr>
+        <p:spPr/>
+        <p:txBody>
+          <a:bodyPr/>
+          <a:lstStyle/>
+          <a:p>
+            <a:fld id="{7AE184E0-0BD4-4705-A12B-9B71DDE63301}" type="slidenum">
+              <a:rPr lang="nl-BE" noProof="0" smtClean="0"/>
+              <a:t>15</a:t>
+            </a:fld>
+            <a:endParaRPr lang="nl-BE" noProof="0" dirty="0"/>
+          </a:p>
+        </p:txBody>
+      </p:sp>
+    </p:spTree>
+    <p:extLst>
+      <p:ext uri="{BB962C8B-B14F-4D97-AF65-F5344CB8AC3E}">
+        <p14:creationId xmlns:p14="http://schemas.microsoft.com/office/powerpoint/2010/main" val="3522922512"/>
       </p:ext>
     </p:extLst>
   </p:cSld>
@@ -4973,18 +5015,12 @@
       </p:grpSpPr>
       <p:sp>
         <p:nvSpPr>
-          <p:cNvPr id="4" name="Tijdelijke aanduiding voor dianummer 3">
-            <a:extLst>
-              <a:ext uri="{FF2B5EF4-FFF2-40B4-BE49-F238E27FC236}">
-                <a16:creationId xmlns:a16="http://schemas.microsoft.com/office/drawing/2014/main" id="{4185830C-2E86-406D-B873-75291F10A77A}"/>
-              </a:ext>
-            </a:extLst>
-          </p:cNvPr>
-          <p:cNvSpPr>
-            <a:spLocks noGrp="1"/>
-          </p:cNvSpPr>
-          <p:nvPr>
-            <p:ph type="sldNum" sz="quarter" idx="12"/>
+          <p:cNvPr id="8" name="Titel 7"/>
+          <p:cNvSpPr>
+            <a:spLocks noGrp="1"/>
+          </p:cNvSpPr>
+          <p:nvPr>
+            <p:ph type="ctrTitle"/>
           </p:nvPr>
         </p:nvSpPr>
         <p:spPr/>
@@ -4992,297 +5028,34 @@
           <a:bodyPr/>
           <a:lstStyle/>
           <a:p>
+            <a:r>
+              <a:rPr lang="nl-BE" u="none" dirty="0"/>
+              <a:t>Features</a:t>
+            </a:r>
+            <a:endParaRPr lang="nl-NL" u="none" dirty="0"/>
+          </a:p>
+        </p:txBody>
+      </p:sp>
+      <p:sp>
+        <p:nvSpPr>
+          <p:cNvPr id="5" name="Slide Number Placeholder 4"/>
+          <p:cNvSpPr>
+            <a:spLocks noGrp="1"/>
+          </p:cNvSpPr>
+          <p:nvPr>
+            <p:ph type="sldNum" sz="quarter" idx="4"/>
+          </p:nvPr>
+        </p:nvSpPr>
+        <p:spPr/>
+        <p:txBody>
+          <a:bodyPr/>
+          <a:lstStyle/>
+          <a:p>
             <a:fld id="{7AE184E0-0BD4-4705-A12B-9B71DDE63301}" type="slidenum">
-              <a:rPr lang="nl-BE" noProof="0" smtClean="0"/>
+              <a:rPr lang="nl-BE" smtClean="0"/>
+              <a:pPr/>
               <a:t>16</a:t>
             </a:fld>
-            <a:endParaRPr lang="nl-BE" noProof="0" dirty="0"/>
-          </a:p>
-        </p:txBody>
-      </p:sp>
-      <p:sp>
-        <p:nvSpPr>
-          <p:cNvPr id="5" name="Titel 1">
-            <a:extLst>
-              <a:ext uri="{FF2B5EF4-FFF2-40B4-BE49-F238E27FC236}">
-                <a16:creationId xmlns:a16="http://schemas.microsoft.com/office/drawing/2014/main" id="{F5904822-C126-4AF6-A15A-E578A97F64A6}"/>
-              </a:ext>
-            </a:extLst>
-          </p:cNvPr>
-          <p:cNvSpPr>
-            <a:spLocks noGrp="1"/>
-          </p:cNvSpPr>
-          <p:nvPr>
-            <p:ph type="title"/>
-          </p:nvPr>
-        </p:nvSpPr>
-        <p:spPr>
-          <a:xfrm>
-            <a:off x="830263" y="136525"/>
-            <a:ext cx="15705137" cy="863600"/>
-          </a:xfrm>
-        </p:spPr>
-        <p:txBody>
-          <a:bodyPr/>
-          <a:lstStyle/>
-          <a:p>
-            <a:r>
-              <a:rPr lang="nl-NL" dirty="0"/>
-              <a:t>revisie</a:t>
-            </a:r>
-          </a:p>
-        </p:txBody>
-      </p:sp>
-      <p:sp>
-        <p:nvSpPr>
-          <p:cNvPr id="7" name="Tijdelijke aanduiding voor inhoud 2">
-            <a:extLst>
-              <a:ext uri="{FF2B5EF4-FFF2-40B4-BE49-F238E27FC236}">
-                <a16:creationId xmlns:a16="http://schemas.microsoft.com/office/drawing/2014/main" id="{40A78456-A573-48A2-B8CB-3106A859C95F}"/>
-              </a:ext>
-            </a:extLst>
-          </p:cNvPr>
-          <p:cNvSpPr txBox="1">
-            <a:spLocks/>
-          </p:cNvSpPr>
-          <p:nvPr/>
-        </p:nvSpPr>
-        <p:spPr>
-          <a:xfrm>
-            <a:off x="988225" y="1346764"/>
-            <a:ext cx="15699575" cy="6696000"/>
-          </a:xfrm>
-          <a:prstGeom prst="rect">
-            <a:avLst/>
-          </a:prstGeom>
-        </p:spPr>
-        <p:txBody>
-          <a:bodyPr vert="horz" lIns="91440" tIns="45720" rIns="91440" bIns="45720" rtlCol="0">
-            <a:normAutofit lnSpcReduction="10000"/>
-          </a:bodyPr>
-          <a:lstStyle>
-            <a:lvl1pPr marL="536535" indent="-450815" algn="l" defTabSz="457167" rtl="0" eaLnBrk="1" latinLnBrk="0" hangingPunct="1">
-              <a:lnSpc>
-                <a:spcPct val="120000"/>
-              </a:lnSpc>
-              <a:spcBef>
-                <a:spcPts val="0"/>
-              </a:spcBef>
-              <a:buFont typeface="Arial" panose="020B0604020202020204" pitchFamily="34" charset="0"/>
-              <a:buChar char="̶"/>
-              <a:defRPr sz="4800" kern="1200">
-                <a:solidFill>
-                  <a:schemeClr val="tx1"/>
-                </a:solidFill>
-                <a:latin typeface="+mn-lt"/>
-                <a:ea typeface="+mn-ea"/>
-                <a:cs typeface="+mn-cs"/>
-              </a:defRPr>
-            </a:lvl1pPr>
-            <a:lvl2pPr marL="1169900" indent="-450815" algn="l" defTabSz="457167" rtl="0" eaLnBrk="1" latinLnBrk="0" hangingPunct="1">
-              <a:lnSpc>
-                <a:spcPct val="120000"/>
-              </a:lnSpc>
-              <a:spcBef>
-                <a:spcPts val="0"/>
-              </a:spcBef>
-              <a:buFont typeface="Arial" panose="020B0604020202020204" pitchFamily="34" charset="0"/>
-              <a:buChar char="̶"/>
-              <a:tabLst/>
-              <a:defRPr sz="4800" kern="1200">
-                <a:solidFill>
-                  <a:schemeClr val="tx1"/>
-                </a:solidFill>
-                <a:latin typeface="+mn-lt"/>
-                <a:ea typeface="+mn-ea"/>
-                <a:cs typeface="+mn-cs"/>
-              </a:defRPr>
-            </a:lvl2pPr>
-            <a:lvl3pPr marL="1755643" indent="-449967" algn="l" defTabSz="457167" rtl="0" eaLnBrk="1" latinLnBrk="0" hangingPunct="1">
-              <a:lnSpc>
-                <a:spcPct val="120000"/>
-              </a:lnSpc>
-              <a:spcBef>
-                <a:spcPts val="0"/>
-              </a:spcBef>
-              <a:buFont typeface="Arial" panose="020B0604020202020204" pitchFamily="34" charset="0"/>
-              <a:buChar char="‒"/>
-              <a:defRPr sz="4800" kern="1200">
-                <a:solidFill>
-                  <a:schemeClr val="tx1"/>
-                </a:solidFill>
-                <a:latin typeface="+mn-lt"/>
-                <a:ea typeface="+mn-ea"/>
-                <a:cs typeface="+mn-cs"/>
-              </a:defRPr>
-            </a:lvl3pPr>
-            <a:lvl4pPr marL="2328688" indent="-550822" algn="l" defTabSz="1912795" rtl="0" eaLnBrk="1" latinLnBrk="0" hangingPunct="1">
-              <a:lnSpc>
-                <a:spcPct val="120000"/>
-              </a:lnSpc>
-              <a:spcBef>
-                <a:spcPts val="0"/>
-              </a:spcBef>
-              <a:buFont typeface="Arial" panose="020B0604020202020204" pitchFamily="34" charset="0"/>
-              <a:buChar char="–"/>
-              <a:tabLst/>
-              <a:defRPr sz="4800" kern="1200">
-                <a:solidFill>
-                  <a:schemeClr val="tx1"/>
-                </a:solidFill>
-                <a:latin typeface="+mn-lt"/>
-                <a:ea typeface="+mn-ea"/>
-                <a:cs typeface="+mn-cs"/>
-              </a:defRPr>
-            </a:lvl4pPr>
-            <a:lvl5pPr marL="2962053" indent="-442881" algn="l" defTabSz="457167" rtl="0" eaLnBrk="1" latinLnBrk="0" hangingPunct="1">
-              <a:lnSpc>
-                <a:spcPct val="120000"/>
-              </a:lnSpc>
-              <a:spcBef>
-                <a:spcPts val="0"/>
-              </a:spcBef>
-              <a:buFont typeface="Arial" panose="020B0604020202020204" pitchFamily="34" charset="0"/>
-              <a:buChar char="̶"/>
-              <a:defRPr sz="4800" kern="1200">
-                <a:solidFill>
-                  <a:schemeClr val="tx1"/>
-                </a:solidFill>
-                <a:latin typeface="+mn-lt"/>
-                <a:ea typeface="+mn-ea"/>
-                <a:cs typeface="+mn-cs"/>
-              </a:defRPr>
-            </a:lvl5pPr>
-            <a:lvl6pPr marL="3575745" indent="-325068" algn="l" defTabSz="1300270" rtl="0" eaLnBrk="1" latinLnBrk="0" hangingPunct="1">
-              <a:lnSpc>
-                <a:spcPct val="90000"/>
-              </a:lnSpc>
-              <a:spcBef>
-                <a:spcPts val="711"/>
-              </a:spcBef>
-              <a:buFont typeface="Arial" panose="020B0604020202020204" pitchFamily="34" charset="0"/>
-              <a:buChar char="•"/>
-              <a:defRPr sz="2560" kern="1200">
-                <a:solidFill>
-                  <a:schemeClr val="tx1"/>
-                </a:solidFill>
-                <a:latin typeface="+mn-lt"/>
-                <a:ea typeface="+mn-ea"/>
-                <a:cs typeface="+mn-cs"/>
-              </a:defRPr>
-            </a:lvl6pPr>
-            <a:lvl7pPr marL="4225881" indent="-325068" algn="l" defTabSz="1300270" rtl="0" eaLnBrk="1" latinLnBrk="0" hangingPunct="1">
-              <a:lnSpc>
-                <a:spcPct val="90000"/>
-              </a:lnSpc>
-              <a:spcBef>
-                <a:spcPts val="711"/>
-              </a:spcBef>
-              <a:buFont typeface="Arial" panose="020B0604020202020204" pitchFamily="34" charset="0"/>
-              <a:buChar char="•"/>
-              <a:defRPr sz="2560" kern="1200">
-                <a:solidFill>
-                  <a:schemeClr val="tx1"/>
-                </a:solidFill>
-                <a:latin typeface="+mn-lt"/>
-                <a:ea typeface="+mn-ea"/>
-                <a:cs typeface="+mn-cs"/>
-              </a:defRPr>
-            </a:lvl7pPr>
-            <a:lvl8pPr marL="4876015" indent="-325068" algn="l" defTabSz="1300270" rtl="0" eaLnBrk="1" latinLnBrk="0" hangingPunct="1">
-              <a:lnSpc>
-                <a:spcPct val="90000"/>
-              </a:lnSpc>
-              <a:spcBef>
-                <a:spcPts val="711"/>
-              </a:spcBef>
-              <a:buFont typeface="Arial" panose="020B0604020202020204" pitchFamily="34" charset="0"/>
-              <a:buChar char="•"/>
-              <a:defRPr sz="2560" kern="1200">
-                <a:solidFill>
-                  <a:schemeClr val="tx1"/>
-                </a:solidFill>
-                <a:latin typeface="+mn-lt"/>
-                <a:ea typeface="+mn-ea"/>
-                <a:cs typeface="+mn-cs"/>
-              </a:defRPr>
-            </a:lvl8pPr>
-            <a:lvl9pPr marL="5526151" indent="-325068" algn="l" defTabSz="1300270" rtl="0" eaLnBrk="1" latinLnBrk="0" hangingPunct="1">
-              <a:lnSpc>
-                <a:spcPct val="90000"/>
-              </a:lnSpc>
-              <a:spcBef>
-                <a:spcPts val="711"/>
-              </a:spcBef>
-              <a:buFont typeface="Arial" panose="020B0604020202020204" pitchFamily="34" charset="0"/>
-              <a:buChar char="•"/>
-              <a:defRPr sz="2560" kern="1200">
-                <a:solidFill>
-                  <a:schemeClr val="tx1"/>
-                </a:solidFill>
-                <a:latin typeface="+mn-lt"/>
-                <a:ea typeface="+mn-ea"/>
-                <a:cs typeface="+mn-cs"/>
-              </a:defRPr>
-            </a:lvl9pPr>
-          </a:lstStyle>
-          <a:p>
-            <a:r>
-              <a:rPr lang="nl-BE" dirty="0" err="1"/>
-              <a:t>Responsive</a:t>
-            </a:r>
-            <a:r>
-              <a:rPr lang="nl-BE" dirty="0"/>
-              <a:t> webapplicatie, welke data tonen</a:t>
-            </a:r>
-          </a:p>
-          <a:p>
-            <a:r>
-              <a:rPr lang="nl-BE" dirty="0"/>
-              <a:t>Drone aansturen via MQTT</a:t>
-            </a:r>
-          </a:p>
-          <a:p>
-            <a:r>
-              <a:rPr lang="nl-BE" dirty="0"/>
-              <a:t>Pad construeren</a:t>
-            </a:r>
-          </a:p>
-          <a:p>
-            <a:r>
-              <a:rPr lang="nl-BE" dirty="0" err="1"/>
-              <a:t>Products</a:t>
-            </a:r>
-            <a:r>
-              <a:rPr lang="nl-BE" dirty="0"/>
-              <a:t> inlezen in databank</a:t>
-            </a:r>
-          </a:p>
-          <a:p>
-            <a:r>
-              <a:rPr lang="nl-BE" dirty="0"/>
-              <a:t>Dummy drone </a:t>
-            </a:r>
-          </a:p>
-          <a:p>
-            <a:r>
-              <a:rPr lang="nl-BE" dirty="0"/>
-              <a:t>Camera feed </a:t>
-            </a:r>
-          </a:p>
-          <a:p>
-            <a:r>
-              <a:rPr lang="nl-BE" dirty="0"/>
-              <a:t>Alerts en correcties</a:t>
-            </a:r>
-          </a:p>
-          <a:p>
-            <a:r>
-              <a:rPr lang="nl-BE" dirty="0"/>
-              <a:t>Eventueel mobiele app</a:t>
-            </a:r>
-          </a:p>
-          <a:p>
             <a:endParaRPr lang="nl-BE" dirty="0"/>
           </a:p>
         </p:txBody>
@@ -5290,7 +5063,7 @@
     </p:spTree>
     <p:extLst>
       <p:ext uri="{BB962C8B-B14F-4D97-AF65-F5344CB8AC3E}">
-        <p14:creationId xmlns:p14="http://schemas.microsoft.com/office/powerpoint/2010/main" val="3108716218"/>
+        <p14:creationId xmlns:p14="http://schemas.microsoft.com/office/powerpoint/2010/main" val="68178720"/>
       </p:ext>
     </p:extLst>
   </p:cSld>
@@ -5319,6 +5092,725 @@
       </p:grpSpPr>
       <p:sp>
         <p:nvSpPr>
+          <p:cNvPr id="2" name="Titel 1"/>
+          <p:cNvSpPr>
+            <a:spLocks noGrp="1"/>
+          </p:cNvSpPr>
+          <p:nvPr>
+            <p:ph type="title"/>
+          </p:nvPr>
+        </p:nvSpPr>
+        <p:spPr>
+          <a:xfrm>
+            <a:off x="830120" y="136030"/>
+            <a:ext cx="15705281" cy="863693"/>
+          </a:xfrm>
+        </p:spPr>
+        <p:txBody>
+          <a:bodyPr/>
+          <a:lstStyle/>
+          <a:p>
+            <a:r>
+              <a:rPr lang="nl-NL" dirty="0"/>
+              <a:t>Kaarten interactief ontwerpen</a:t>
+            </a:r>
+          </a:p>
+        </p:txBody>
+      </p:sp>
+      <p:sp>
+        <p:nvSpPr>
+          <p:cNvPr id="3" name="Tijdelijke aanduiding voor inhoud 2"/>
+          <p:cNvSpPr>
+            <a:spLocks noGrp="1"/>
+          </p:cNvSpPr>
+          <p:nvPr>
+            <p:ph idx="1"/>
+          </p:nvPr>
+        </p:nvSpPr>
+        <p:spPr/>
+        <p:txBody>
+          <a:bodyPr>
+            <a:normAutofit/>
+          </a:bodyPr>
+          <a:lstStyle/>
+          <a:p>
+            <a:pPr marL="85720" indent="0">
+              <a:buNone/>
+            </a:pPr>
+            <a:r>
+              <a:rPr lang="nl-NL" dirty="0"/>
+              <a:t>GIF</a:t>
+            </a:r>
+          </a:p>
+        </p:txBody>
+      </p:sp>
+      <p:sp>
+        <p:nvSpPr>
+          <p:cNvPr id="4" name="Tijdelijke aanduiding voor dianummer 3"/>
+          <p:cNvSpPr>
+            <a:spLocks noGrp="1"/>
+          </p:cNvSpPr>
+          <p:nvPr>
+            <p:ph type="sldNum" sz="quarter" idx="12"/>
+          </p:nvPr>
+        </p:nvSpPr>
+        <p:spPr/>
+        <p:txBody>
+          <a:bodyPr/>
+          <a:lstStyle/>
+          <a:p>
+            <a:fld id="{7AE184E0-0BD4-4705-A12B-9B71DDE63301}" type="slidenum">
+              <a:rPr lang="nl-BE" noProof="0" smtClean="0"/>
+              <a:t>17</a:t>
+            </a:fld>
+            <a:endParaRPr lang="nl-BE" noProof="0" dirty="0"/>
+          </a:p>
+        </p:txBody>
+      </p:sp>
+    </p:spTree>
+    <p:extLst>
+      <p:ext uri="{BB962C8B-B14F-4D97-AF65-F5344CB8AC3E}">
+        <p14:creationId xmlns:p14="http://schemas.microsoft.com/office/powerpoint/2010/main" val="1687334705"/>
+      </p:ext>
+    </p:extLst>
+  </p:cSld>
+  <p:clrMapOvr>
+    <a:masterClrMapping/>
+  </p:clrMapOvr>
+</p:sld>
+</file>
+
+<file path=ppt/slides/slide18.xml><?xml version="1.0" encoding="utf-8"?>
+<p:sld xmlns:a="http://schemas.openxmlformats.org/drawingml/2006/main" xmlns:r="http://schemas.openxmlformats.org/officeDocument/2006/relationships" xmlns:p="http://schemas.openxmlformats.org/presentationml/2006/main">
+  <p:cSld>
+    <p:spTree>
+      <p:nvGrpSpPr>
+        <p:cNvPr id="1" name=""/>
+        <p:cNvGrpSpPr/>
+        <p:nvPr/>
+      </p:nvGrpSpPr>
+      <p:grpSpPr>
+        <a:xfrm>
+          <a:off x="0" y="0"/>
+          <a:ext cx="0" cy="0"/>
+          <a:chOff x="0" y="0"/>
+          <a:chExt cx="0" cy="0"/>
+        </a:xfrm>
+      </p:grpSpPr>
+      <p:sp>
+        <p:nvSpPr>
+          <p:cNvPr id="2" name="Titel 1"/>
+          <p:cNvSpPr>
+            <a:spLocks noGrp="1"/>
+          </p:cNvSpPr>
+          <p:nvPr>
+            <p:ph type="title"/>
+          </p:nvPr>
+        </p:nvSpPr>
+        <p:spPr>
+          <a:xfrm>
+            <a:off x="830120" y="136030"/>
+            <a:ext cx="15705281" cy="863693"/>
+          </a:xfrm>
+        </p:spPr>
+        <p:txBody>
+          <a:bodyPr/>
+          <a:lstStyle/>
+          <a:p>
+            <a:r>
+              <a:rPr lang="nl-NL" dirty="0"/>
+              <a:t>Vliegpaden valideren &amp; corrigeren</a:t>
+            </a:r>
+          </a:p>
+        </p:txBody>
+      </p:sp>
+      <p:sp>
+        <p:nvSpPr>
+          <p:cNvPr id="3" name="Tijdelijke aanduiding voor inhoud 2"/>
+          <p:cNvSpPr>
+            <a:spLocks noGrp="1"/>
+          </p:cNvSpPr>
+          <p:nvPr>
+            <p:ph idx="1"/>
+          </p:nvPr>
+        </p:nvSpPr>
+        <p:spPr/>
+        <p:txBody>
+          <a:bodyPr>
+            <a:normAutofit/>
+          </a:bodyPr>
+          <a:lstStyle/>
+          <a:p>
+            <a:pPr marL="85720" indent="0">
+              <a:buNone/>
+            </a:pPr>
+            <a:r>
+              <a:rPr lang="nl-NL" dirty="0"/>
+              <a:t>GIF</a:t>
+            </a:r>
+          </a:p>
+        </p:txBody>
+      </p:sp>
+      <p:sp>
+        <p:nvSpPr>
+          <p:cNvPr id="4" name="Tijdelijke aanduiding voor dianummer 3"/>
+          <p:cNvSpPr>
+            <a:spLocks noGrp="1"/>
+          </p:cNvSpPr>
+          <p:nvPr>
+            <p:ph type="sldNum" sz="quarter" idx="12"/>
+          </p:nvPr>
+        </p:nvSpPr>
+        <p:spPr/>
+        <p:txBody>
+          <a:bodyPr/>
+          <a:lstStyle/>
+          <a:p>
+            <a:fld id="{7AE184E0-0BD4-4705-A12B-9B71DDE63301}" type="slidenum">
+              <a:rPr lang="nl-BE" noProof="0" smtClean="0"/>
+              <a:t>18</a:t>
+            </a:fld>
+            <a:endParaRPr lang="nl-BE" noProof="0" dirty="0"/>
+          </a:p>
+        </p:txBody>
+      </p:sp>
+    </p:spTree>
+    <p:extLst>
+      <p:ext uri="{BB962C8B-B14F-4D97-AF65-F5344CB8AC3E}">
+        <p14:creationId xmlns:p14="http://schemas.microsoft.com/office/powerpoint/2010/main" val="448104712"/>
+      </p:ext>
+    </p:extLst>
+  </p:cSld>
+  <p:clrMapOvr>
+    <a:masterClrMapping/>
+  </p:clrMapOvr>
+</p:sld>
+</file>
+
+<file path=ppt/slides/slide19.xml><?xml version="1.0" encoding="utf-8"?>
+<p:sld xmlns:a="http://schemas.openxmlformats.org/drawingml/2006/main" xmlns:r="http://schemas.openxmlformats.org/officeDocument/2006/relationships" xmlns:p="http://schemas.openxmlformats.org/presentationml/2006/main">
+  <p:cSld>
+    <p:spTree>
+      <p:nvGrpSpPr>
+        <p:cNvPr id="1" name=""/>
+        <p:cNvGrpSpPr/>
+        <p:nvPr/>
+      </p:nvGrpSpPr>
+      <p:grpSpPr>
+        <a:xfrm>
+          <a:off x="0" y="0"/>
+          <a:ext cx="0" cy="0"/>
+          <a:chOff x="0" y="0"/>
+          <a:chExt cx="0" cy="0"/>
+        </a:xfrm>
+      </p:grpSpPr>
+      <p:sp>
+        <p:nvSpPr>
+          <p:cNvPr id="2" name="Titel 1"/>
+          <p:cNvSpPr>
+            <a:spLocks noGrp="1"/>
+          </p:cNvSpPr>
+          <p:nvPr>
+            <p:ph type="title"/>
+          </p:nvPr>
+        </p:nvSpPr>
+        <p:spPr>
+          <a:xfrm>
+            <a:off x="830120" y="136030"/>
+            <a:ext cx="15705281" cy="863693"/>
+          </a:xfrm>
+        </p:spPr>
+        <p:txBody>
+          <a:bodyPr/>
+          <a:lstStyle/>
+          <a:p>
+            <a:r>
+              <a:rPr lang="nl-NL" dirty="0"/>
+              <a:t>Drone commando’s</a:t>
+            </a:r>
+          </a:p>
+        </p:txBody>
+      </p:sp>
+      <p:sp>
+        <p:nvSpPr>
+          <p:cNvPr id="3" name="Tijdelijke aanduiding voor inhoud 2"/>
+          <p:cNvSpPr>
+            <a:spLocks noGrp="1"/>
+          </p:cNvSpPr>
+          <p:nvPr>
+            <p:ph idx="1"/>
+          </p:nvPr>
+        </p:nvSpPr>
+        <p:spPr/>
+        <p:txBody>
+          <a:bodyPr>
+            <a:normAutofit/>
+          </a:bodyPr>
+          <a:lstStyle/>
+          <a:p>
+            <a:pPr marL="85720" indent="0">
+              <a:buNone/>
+            </a:pPr>
+            <a:r>
+              <a:rPr lang="nl-NL" dirty="0"/>
+              <a:t>GIF</a:t>
+            </a:r>
+          </a:p>
+        </p:txBody>
+      </p:sp>
+      <p:sp>
+        <p:nvSpPr>
+          <p:cNvPr id="4" name="Tijdelijke aanduiding voor dianummer 3"/>
+          <p:cNvSpPr>
+            <a:spLocks noGrp="1"/>
+          </p:cNvSpPr>
+          <p:nvPr>
+            <p:ph type="sldNum" sz="quarter" idx="12"/>
+          </p:nvPr>
+        </p:nvSpPr>
+        <p:spPr/>
+        <p:txBody>
+          <a:bodyPr/>
+          <a:lstStyle/>
+          <a:p>
+            <a:fld id="{7AE184E0-0BD4-4705-A12B-9B71DDE63301}" type="slidenum">
+              <a:rPr lang="nl-BE" noProof="0" smtClean="0"/>
+              <a:t>19</a:t>
+            </a:fld>
+            <a:endParaRPr lang="nl-BE" noProof="0" dirty="0"/>
+          </a:p>
+        </p:txBody>
+      </p:sp>
+    </p:spTree>
+    <p:extLst>
+      <p:ext uri="{BB962C8B-B14F-4D97-AF65-F5344CB8AC3E}">
+        <p14:creationId xmlns:p14="http://schemas.microsoft.com/office/powerpoint/2010/main" val="2903694811"/>
+      </p:ext>
+    </p:extLst>
+  </p:cSld>
+  <p:clrMapOvr>
+    <a:masterClrMapping/>
+  </p:clrMapOvr>
+</p:sld>
+</file>
+
+<file path=ppt/slides/slide2.xml><?xml version="1.0" encoding="utf-8"?>
+<p:sld xmlns:a="http://schemas.openxmlformats.org/drawingml/2006/main" xmlns:r="http://schemas.openxmlformats.org/officeDocument/2006/relationships" xmlns:p="http://schemas.openxmlformats.org/presentationml/2006/main">
+  <p:cSld>
+    <p:spTree>
+      <p:nvGrpSpPr>
+        <p:cNvPr id="1" name=""/>
+        <p:cNvGrpSpPr/>
+        <p:nvPr/>
+      </p:nvGrpSpPr>
+      <p:grpSpPr>
+        <a:xfrm>
+          <a:off x="0" y="0"/>
+          <a:ext cx="0" cy="0"/>
+          <a:chOff x="0" y="0"/>
+          <a:chExt cx="0" cy="0"/>
+        </a:xfrm>
+      </p:grpSpPr>
+      <p:sp>
+        <p:nvSpPr>
+          <p:cNvPr id="8" name="Titel 7"/>
+          <p:cNvSpPr>
+            <a:spLocks noGrp="1"/>
+          </p:cNvSpPr>
+          <p:nvPr>
+            <p:ph type="ctrTitle"/>
+          </p:nvPr>
+        </p:nvSpPr>
+        <p:spPr/>
+        <p:txBody>
+          <a:bodyPr/>
+          <a:lstStyle/>
+          <a:p>
+            <a:r>
+              <a:rPr lang="nl-NL" dirty="0" err="1"/>
+              <a:t>Backlog</a:t>
+            </a:r>
+            <a:endParaRPr lang="nl-NL" dirty="0"/>
+          </a:p>
+        </p:txBody>
+      </p:sp>
+      <p:sp>
+        <p:nvSpPr>
+          <p:cNvPr id="5" name="Slide Number Placeholder 4"/>
+          <p:cNvSpPr>
+            <a:spLocks noGrp="1"/>
+          </p:cNvSpPr>
+          <p:nvPr>
+            <p:ph type="sldNum" sz="quarter" idx="4"/>
+          </p:nvPr>
+        </p:nvSpPr>
+        <p:spPr/>
+        <p:txBody>
+          <a:bodyPr/>
+          <a:lstStyle/>
+          <a:p>
+            <a:fld id="{7AE184E0-0BD4-4705-A12B-9B71DDE63301}" type="slidenum">
+              <a:rPr lang="nl-BE" smtClean="0"/>
+              <a:pPr/>
+              <a:t>2</a:t>
+            </a:fld>
+            <a:endParaRPr lang="nl-BE" dirty="0"/>
+          </a:p>
+        </p:txBody>
+      </p:sp>
+    </p:spTree>
+    <p:extLst>
+      <p:ext uri="{BB962C8B-B14F-4D97-AF65-F5344CB8AC3E}">
+        <p14:creationId xmlns:p14="http://schemas.microsoft.com/office/powerpoint/2010/main" val="2760186874"/>
+      </p:ext>
+    </p:extLst>
+  </p:cSld>
+  <p:clrMapOvr>
+    <a:masterClrMapping/>
+  </p:clrMapOvr>
+</p:sld>
+</file>
+
+<file path=ppt/slides/slide20.xml><?xml version="1.0" encoding="utf-8"?>
+<p:sld xmlns:a="http://schemas.openxmlformats.org/drawingml/2006/main" xmlns:r="http://schemas.openxmlformats.org/officeDocument/2006/relationships" xmlns:p="http://schemas.openxmlformats.org/presentationml/2006/main">
+  <p:cSld>
+    <p:spTree>
+      <p:nvGrpSpPr>
+        <p:cNvPr id="1" name=""/>
+        <p:cNvGrpSpPr/>
+        <p:nvPr/>
+      </p:nvGrpSpPr>
+      <p:grpSpPr>
+        <a:xfrm>
+          <a:off x="0" y="0"/>
+          <a:ext cx="0" cy="0"/>
+          <a:chOff x="0" y="0"/>
+          <a:chExt cx="0" cy="0"/>
+        </a:xfrm>
+      </p:grpSpPr>
+      <p:sp>
+        <p:nvSpPr>
+          <p:cNvPr id="2" name="Titel 1"/>
+          <p:cNvSpPr>
+            <a:spLocks noGrp="1"/>
+          </p:cNvSpPr>
+          <p:nvPr>
+            <p:ph type="title"/>
+          </p:nvPr>
+        </p:nvSpPr>
+        <p:spPr>
+          <a:xfrm>
+            <a:off x="830120" y="136030"/>
+            <a:ext cx="15705281" cy="863693"/>
+          </a:xfrm>
+        </p:spPr>
+        <p:txBody>
+          <a:bodyPr/>
+          <a:lstStyle/>
+          <a:p>
+            <a:r>
+              <a:rPr lang="nl-NL" dirty="0"/>
+              <a:t>Producten scannen met oriëntatie</a:t>
+            </a:r>
+          </a:p>
+        </p:txBody>
+      </p:sp>
+      <p:sp>
+        <p:nvSpPr>
+          <p:cNvPr id="3" name="Tijdelijke aanduiding voor inhoud 2"/>
+          <p:cNvSpPr>
+            <a:spLocks noGrp="1"/>
+          </p:cNvSpPr>
+          <p:nvPr>
+            <p:ph idx="1"/>
+          </p:nvPr>
+        </p:nvSpPr>
+        <p:spPr/>
+        <p:txBody>
+          <a:bodyPr>
+            <a:normAutofit/>
+          </a:bodyPr>
+          <a:lstStyle/>
+          <a:p>
+            <a:pPr marL="85720" indent="0">
+              <a:buNone/>
+            </a:pPr>
+            <a:r>
+              <a:rPr lang="nl-NL" dirty="0"/>
+              <a:t>GIF</a:t>
+            </a:r>
+          </a:p>
+        </p:txBody>
+      </p:sp>
+      <p:sp>
+        <p:nvSpPr>
+          <p:cNvPr id="4" name="Tijdelijke aanduiding voor dianummer 3"/>
+          <p:cNvSpPr>
+            <a:spLocks noGrp="1"/>
+          </p:cNvSpPr>
+          <p:nvPr>
+            <p:ph type="sldNum" sz="quarter" idx="12"/>
+          </p:nvPr>
+        </p:nvSpPr>
+        <p:spPr/>
+        <p:txBody>
+          <a:bodyPr/>
+          <a:lstStyle/>
+          <a:p>
+            <a:fld id="{7AE184E0-0BD4-4705-A12B-9B71DDE63301}" type="slidenum">
+              <a:rPr lang="nl-BE" noProof="0" smtClean="0"/>
+              <a:t>20</a:t>
+            </a:fld>
+            <a:endParaRPr lang="nl-BE" noProof="0" dirty="0"/>
+          </a:p>
+        </p:txBody>
+      </p:sp>
+    </p:spTree>
+    <p:extLst>
+      <p:ext uri="{BB962C8B-B14F-4D97-AF65-F5344CB8AC3E}">
+        <p14:creationId xmlns:p14="http://schemas.microsoft.com/office/powerpoint/2010/main" val="2506379734"/>
+      </p:ext>
+    </p:extLst>
+  </p:cSld>
+  <p:clrMapOvr>
+    <a:masterClrMapping/>
+  </p:clrMapOvr>
+</p:sld>
+</file>
+
+<file path=ppt/slides/slide21.xml><?xml version="1.0" encoding="utf-8"?>
+<p:sld xmlns:a="http://schemas.openxmlformats.org/drawingml/2006/main" xmlns:r="http://schemas.openxmlformats.org/officeDocument/2006/relationships" xmlns:p="http://schemas.openxmlformats.org/presentationml/2006/main">
+  <p:cSld>
+    <p:spTree>
+      <p:nvGrpSpPr>
+        <p:cNvPr id="1" name=""/>
+        <p:cNvGrpSpPr/>
+        <p:nvPr/>
+      </p:nvGrpSpPr>
+      <p:grpSpPr>
+        <a:xfrm>
+          <a:off x="0" y="0"/>
+          <a:ext cx="0" cy="0"/>
+          <a:chOff x="0" y="0"/>
+          <a:chExt cx="0" cy="0"/>
+        </a:xfrm>
+      </p:grpSpPr>
+      <p:sp>
+        <p:nvSpPr>
+          <p:cNvPr id="2" name="Titel 1"/>
+          <p:cNvSpPr>
+            <a:spLocks noGrp="1"/>
+          </p:cNvSpPr>
+          <p:nvPr>
+            <p:ph type="title"/>
+          </p:nvPr>
+        </p:nvSpPr>
+        <p:spPr>
+          <a:xfrm>
+            <a:off x="830120" y="136030"/>
+            <a:ext cx="15705281" cy="863693"/>
+          </a:xfrm>
+        </p:spPr>
+        <p:txBody>
+          <a:bodyPr/>
+          <a:lstStyle/>
+          <a:p>
+            <a:r>
+              <a:rPr lang="nl-NL" dirty="0"/>
+              <a:t>inventaris</a:t>
+            </a:r>
+          </a:p>
+        </p:txBody>
+      </p:sp>
+      <p:sp>
+        <p:nvSpPr>
+          <p:cNvPr id="3" name="Tijdelijke aanduiding voor inhoud 2"/>
+          <p:cNvSpPr>
+            <a:spLocks noGrp="1"/>
+          </p:cNvSpPr>
+          <p:nvPr>
+            <p:ph idx="1"/>
+          </p:nvPr>
+        </p:nvSpPr>
+        <p:spPr/>
+        <p:txBody>
+          <a:bodyPr>
+            <a:normAutofit/>
+          </a:bodyPr>
+          <a:lstStyle/>
+          <a:p>
+            <a:pPr marL="85720" indent="0">
+              <a:buNone/>
+            </a:pPr>
+            <a:r>
+              <a:rPr lang="nl-NL" dirty="0"/>
+              <a:t>GIF</a:t>
+            </a:r>
+          </a:p>
+        </p:txBody>
+      </p:sp>
+      <p:sp>
+        <p:nvSpPr>
+          <p:cNvPr id="4" name="Tijdelijke aanduiding voor dianummer 3"/>
+          <p:cNvSpPr>
+            <a:spLocks noGrp="1"/>
+          </p:cNvSpPr>
+          <p:nvPr>
+            <p:ph type="sldNum" sz="quarter" idx="12"/>
+          </p:nvPr>
+        </p:nvSpPr>
+        <p:spPr/>
+        <p:txBody>
+          <a:bodyPr/>
+          <a:lstStyle/>
+          <a:p>
+            <a:fld id="{7AE184E0-0BD4-4705-A12B-9B71DDE63301}" type="slidenum">
+              <a:rPr lang="nl-BE" noProof="0" smtClean="0"/>
+              <a:t>21</a:t>
+            </a:fld>
+            <a:endParaRPr lang="nl-BE" noProof="0" dirty="0"/>
+          </a:p>
+        </p:txBody>
+      </p:sp>
+    </p:spTree>
+    <p:extLst>
+      <p:ext uri="{BB962C8B-B14F-4D97-AF65-F5344CB8AC3E}">
+        <p14:creationId xmlns:p14="http://schemas.microsoft.com/office/powerpoint/2010/main" val="2200109028"/>
+      </p:ext>
+    </p:extLst>
+  </p:cSld>
+  <p:clrMapOvr>
+    <a:masterClrMapping/>
+  </p:clrMapOvr>
+</p:sld>
+</file>
+
+<file path=ppt/slides/slide22.xml><?xml version="1.0" encoding="utf-8"?>
+<p:sld xmlns:a="http://schemas.openxmlformats.org/drawingml/2006/main" xmlns:r="http://schemas.openxmlformats.org/officeDocument/2006/relationships" xmlns:p="http://schemas.openxmlformats.org/presentationml/2006/main">
+  <p:cSld>
+    <p:spTree>
+      <p:nvGrpSpPr>
+        <p:cNvPr id="1" name=""/>
+        <p:cNvGrpSpPr/>
+        <p:nvPr/>
+      </p:nvGrpSpPr>
+      <p:grpSpPr>
+        <a:xfrm>
+          <a:off x="0" y="0"/>
+          <a:ext cx="0" cy="0"/>
+          <a:chOff x="0" y="0"/>
+          <a:chExt cx="0" cy="0"/>
+        </a:xfrm>
+      </p:grpSpPr>
+      <p:sp>
+        <p:nvSpPr>
+          <p:cNvPr id="2" name="Titel 1"/>
+          <p:cNvSpPr>
+            <a:spLocks noGrp="1"/>
+          </p:cNvSpPr>
+          <p:nvPr>
+            <p:ph type="title"/>
+          </p:nvPr>
+        </p:nvSpPr>
+        <p:spPr>
+          <a:xfrm>
+            <a:off x="830120" y="136030"/>
+            <a:ext cx="15705281" cy="863693"/>
+          </a:xfrm>
+        </p:spPr>
+        <p:txBody>
+          <a:bodyPr/>
+          <a:lstStyle/>
+          <a:p>
+            <a:r>
+              <a:rPr lang="nl-NL" dirty="0"/>
+              <a:t>Live data visualisatie</a:t>
+            </a:r>
+          </a:p>
+        </p:txBody>
+      </p:sp>
+      <p:sp>
+        <p:nvSpPr>
+          <p:cNvPr id="3" name="Tijdelijke aanduiding voor inhoud 2"/>
+          <p:cNvSpPr>
+            <a:spLocks noGrp="1"/>
+          </p:cNvSpPr>
+          <p:nvPr>
+            <p:ph idx="1"/>
+          </p:nvPr>
+        </p:nvSpPr>
+        <p:spPr/>
+        <p:txBody>
+          <a:bodyPr>
+            <a:normAutofit/>
+          </a:bodyPr>
+          <a:lstStyle/>
+          <a:p>
+            <a:pPr marL="85720" indent="0">
+              <a:buNone/>
+            </a:pPr>
+            <a:r>
+              <a:rPr lang="nl-NL" dirty="0"/>
+              <a:t>GIF</a:t>
+            </a:r>
+          </a:p>
+        </p:txBody>
+      </p:sp>
+      <p:sp>
+        <p:nvSpPr>
+          <p:cNvPr id="4" name="Tijdelijke aanduiding voor dianummer 3"/>
+          <p:cNvSpPr>
+            <a:spLocks noGrp="1"/>
+          </p:cNvSpPr>
+          <p:nvPr>
+            <p:ph type="sldNum" sz="quarter" idx="12"/>
+          </p:nvPr>
+        </p:nvSpPr>
+        <p:spPr/>
+        <p:txBody>
+          <a:bodyPr/>
+          <a:lstStyle/>
+          <a:p>
+            <a:fld id="{7AE184E0-0BD4-4705-A12B-9B71DDE63301}" type="slidenum">
+              <a:rPr lang="nl-BE" noProof="0" smtClean="0"/>
+              <a:t>22</a:t>
+            </a:fld>
+            <a:endParaRPr lang="nl-BE" noProof="0" dirty="0"/>
+          </a:p>
+        </p:txBody>
+      </p:sp>
+    </p:spTree>
+    <p:extLst>
+      <p:ext uri="{BB962C8B-B14F-4D97-AF65-F5344CB8AC3E}">
+        <p14:creationId xmlns:p14="http://schemas.microsoft.com/office/powerpoint/2010/main" val="4052452411"/>
+      </p:ext>
+    </p:extLst>
+  </p:cSld>
+  <p:clrMapOvr>
+    <a:masterClrMapping/>
+  </p:clrMapOvr>
+</p:sld>
+</file>
+
+<file path=ppt/slides/slide23.xml><?xml version="1.0" encoding="utf-8"?>
+<p:sld xmlns:a="http://schemas.openxmlformats.org/drawingml/2006/main" xmlns:r="http://schemas.openxmlformats.org/officeDocument/2006/relationships" xmlns:p="http://schemas.openxmlformats.org/presentationml/2006/main">
+  <p:cSld>
+    <p:spTree>
+      <p:nvGrpSpPr>
+        <p:cNvPr id="1" name=""/>
+        <p:cNvGrpSpPr/>
+        <p:nvPr/>
+      </p:nvGrpSpPr>
+      <p:grpSpPr>
+        <a:xfrm>
+          <a:off x="0" y="0"/>
+          <a:ext cx="0" cy="0"/>
+          <a:chOff x="0" y="0"/>
+          <a:chExt cx="0" cy="0"/>
+        </a:xfrm>
+      </p:grpSpPr>
+      <p:sp>
+        <p:nvSpPr>
           <p:cNvPr id="4" name="Tijdelijke aanduiding voor dianummer 3">
             <a:extLst>
               <a:ext uri="{FF2B5EF4-FFF2-40B4-BE49-F238E27FC236}">
@@ -5340,7 +5832,7 @@
           <a:p>
             <a:fld id="{7AE184E0-0BD4-4705-A12B-9B71DDE63301}" type="slidenum">
               <a:rPr lang="nl-BE" noProof="0" smtClean="0"/>
-              <a:t>17</a:t>
+              <a:t>23</a:t>
             </a:fld>
             <a:endParaRPr lang="nl-BE" noProof="0" dirty="0"/>
           </a:p>
@@ -5397,83 +5889,6 @@
     <p:extLst>
       <p:ext uri="{BB962C8B-B14F-4D97-AF65-F5344CB8AC3E}">
         <p14:creationId xmlns:p14="http://schemas.microsoft.com/office/powerpoint/2010/main" val="3024492367"/>
-      </p:ext>
-    </p:extLst>
-  </p:cSld>
-  <p:clrMapOvr>
-    <a:masterClrMapping/>
-  </p:clrMapOvr>
-</p:sld>
-</file>
-
-<file path=ppt/slides/slide2.xml><?xml version="1.0" encoding="utf-8"?>
-<p:sld xmlns:a="http://schemas.openxmlformats.org/drawingml/2006/main" xmlns:r="http://schemas.openxmlformats.org/officeDocument/2006/relationships" xmlns:p="http://schemas.openxmlformats.org/presentationml/2006/main">
-  <p:cSld>
-    <p:spTree>
-      <p:nvGrpSpPr>
-        <p:cNvPr id="1" name=""/>
-        <p:cNvGrpSpPr/>
-        <p:nvPr/>
-      </p:nvGrpSpPr>
-      <p:grpSpPr>
-        <a:xfrm>
-          <a:off x="0" y="0"/>
-          <a:ext cx="0" cy="0"/>
-          <a:chOff x="0" y="0"/>
-          <a:chExt cx="0" cy="0"/>
-        </a:xfrm>
-      </p:grpSpPr>
-      <p:sp>
-        <p:nvSpPr>
-          <p:cNvPr id="8" name="Titel 7"/>
-          <p:cNvSpPr>
-            <a:spLocks noGrp="1"/>
-          </p:cNvSpPr>
-          <p:nvPr>
-            <p:ph type="ctrTitle"/>
-          </p:nvPr>
-        </p:nvSpPr>
-        <p:spPr/>
-        <p:txBody>
-          <a:bodyPr/>
-          <a:lstStyle/>
-          <a:p>
-            <a:r>
-              <a:rPr lang="nl-NL" dirty="0" err="1"/>
-              <a:t>Backlog</a:t>
-            </a:r>
-            <a:endParaRPr lang="nl-NL" dirty="0"/>
-          </a:p>
-        </p:txBody>
-      </p:sp>
-      <p:sp>
-        <p:nvSpPr>
-          <p:cNvPr id="5" name="Slide Number Placeholder 4"/>
-          <p:cNvSpPr>
-            <a:spLocks noGrp="1"/>
-          </p:cNvSpPr>
-          <p:nvPr>
-            <p:ph type="sldNum" sz="quarter" idx="4"/>
-          </p:nvPr>
-        </p:nvSpPr>
-        <p:spPr/>
-        <p:txBody>
-          <a:bodyPr/>
-          <a:lstStyle/>
-          <a:p>
-            <a:fld id="{7AE184E0-0BD4-4705-A12B-9B71DDE63301}" type="slidenum">
-              <a:rPr lang="nl-BE" smtClean="0"/>
-              <a:pPr/>
-              <a:t>2</a:t>
-            </a:fld>
-            <a:endParaRPr lang="nl-BE" dirty="0"/>
-          </a:p>
-        </p:txBody>
-      </p:sp>
-    </p:spTree>
-    <p:extLst>
-      <p:ext uri="{BB962C8B-B14F-4D97-AF65-F5344CB8AC3E}">
-        <p14:creationId xmlns:p14="http://schemas.microsoft.com/office/powerpoint/2010/main" val="2760186874"/>
       </p:ext>
     </p:extLst>
   </p:cSld>
@@ -5682,12 +6097,18 @@
       </p:grpSpPr>
       <p:sp>
         <p:nvSpPr>
-          <p:cNvPr id="8" name="Titel 7"/>
-          <p:cNvSpPr>
-            <a:spLocks noGrp="1"/>
-          </p:cNvSpPr>
-          <p:nvPr>
-            <p:ph type="ctrTitle"/>
+          <p:cNvPr id="2" name="Titel 1">
+            <a:extLst>
+              <a:ext uri="{FF2B5EF4-FFF2-40B4-BE49-F238E27FC236}">
+                <a16:creationId xmlns:a16="http://schemas.microsoft.com/office/drawing/2014/main" id="{2EA96173-F689-4808-B004-F456C0C2856E}"/>
+              </a:ext>
+            </a:extLst>
+          </p:cNvPr>
+          <p:cNvSpPr>
+            <a:spLocks noGrp="1"/>
+          </p:cNvSpPr>
+          <p:nvPr>
+            <p:ph type="title"/>
           </p:nvPr>
         </p:nvSpPr>
         <p:spPr/>
@@ -5696,40 +6117,168 @@
           <a:lstStyle/>
           <a:p>
             <a:r>
-              <a:rPr lang="nl-NL" dirty="0"/>
-              <a:t>realisatie</a:t>
-            </a:r>
-          </a:p>
-        </p:txBody>
-      </p:sp>
-      <p:sp>
-        <p:nvSpPr>
-          <p:cNvPr id="5" name="Slide Number Placeholder 4"/>
-          <p:cNvSpPr>
-            <a:spLocks noGrp="1"/>
-          </p:cNvSpPr>
-          <p:nvPr>
-            <p:ph type="sldNum" sz="quarter" idx="4"/>
+              <a:rPr lang="nl-BE" dirty="0"/>
+              <a:t>implementatie</a:t>
+            </a:r>
+          </a:p>
+        </p:txBody>
+      </p:sp>
+      <p:sp>
+        <p:nvSpPr>
+          <p:cNvPr id="3" name="Tijdelijke aanduiding voor inhoud 2">
+            <a:extLst>
+              <a:ext uri="{FF2B5EF4-FFF2-40B4-BE49-F238E27FC236}">
+                <a16:creationId xmlns:a16="http://schemas.microsoft.com/office/drawing/2014/main" id="{77F938B2-87B3-4268-BF55-C18587BEE7AB}"/>
+              </a:ext>
+            </a:extLst>
+          </p:cNvPr>
+          <p:cNvSpPr>
+            <a:spLocks noGrp="1"/>
+          </p:cNvSpPr>
+          <p:nvPr>
+            <p:ph idx="1"/>
           </p:nvPr>
         </p:nvSpPr>
         <p:spPr/>
         <p:txBody>
+          <a:bodyPr>
+            <a:normAutofit lnSpcReduction="10000"/>
+          </a:bodyPr>
+          <a:lstStyle/>
+          <a:p>
+            <a:r>
+              <a:rPr lang="nl-BE" dirty="0"/>
+              <a:t>Front-end</a:t>
+            </a:r>
+          </a:p>
+          <a:p>
+            <a:pPr lvl="1"/>
+            <a:r>
+              <a:rPr lang="nl-BE" dirty="0"/>
+              <a:t>HTML5 canvas </a:t>
+            </a:r>
+            <a:r>
+              <a:rPr lang="nl-BE" dirty="0">
+                <a:sym typeface="Wingdings" panose="05000000000000000000" pitchFamily="2" charset="2"/>
+              </a:rPr>
+              <a:t> </a:t>
+            </a:r>
+            <a:r>
+              <a:rPr lang="nl-BE" dirty="0"/>
+              <a:t>Leaflet</a:t>
+            </a:r>
+          </a:p>
+          <a:p>
+            <a:r>
+              <a:rPr lang="nl-BE" dirty="0" err="1"/>
+              <a:t>Back-end</a:t>
+            </a:r>
+            <a:endParaRPr lang="nl-BE" dirty="0"/>
+          </a:p>
+          <a:p>
+            <a:pPr lvl="1"/>
+            <a:r>
+              <a:rPr lang="nl-BE" dirty="0"/>
+              <a:t>Dijkstra </a:t>
+            </a:r>
+            <a:r>
+              <a:rPr lang="nl-BE" dirty="0">
+                <a:sym typeface="Wingdings" panose="05000000000000000000" pitchFamily="2" charset="2"/>
+              </a:rPr>
+              <a:t> </a:t>
+            </a:r>
+            <a:r>
+              <a:rPr lang="nl-BE" dirty="0"/>
+              <a:t>A* + optimalisaties</a:t>
+            </a:r>
+          </a:p>
+          <a:p>
+            <a:pPr lvl="1"/>
+            <a:r>
+              <a:rPr lang="nl-BE" dirty="0"/>
+              <a:t>Node-RED</a:t>
+            </a:r>
+          </a:p>
+          <a:p>
+            <a:r>
+              <a:rPr lang="nl-BE" dirty="0" err="1"/>
+              <a:t>Mockup</a:t>
+            </a:r>
+            <a:r>
+              <a:rPr lang="nl-BE" dirty="0"/>
+              <a:t> drone</a:t>
+            </a:r>
+          </a:p>
+          <a:p>
+            <a:pPr lvl="1"/>
+            <a:r>
+              <a:rPr lang="nl-BE" dirty="0"/>
+              <a:t>Communicatie drone </a:t>
+            </a:r>
+            <a:r>
+              <a:rPr lang="nl-BE" dirty="0">
+                <a:sym typeface="Wingdings" panose="05000000000000000000" pitchFamily="2" charset="2"/>
+              </a:rPr>
+              <a:t> </a:t>
+            </a:r>
+            <a:r>
+              <a:rPr lang="nl-BE" dirty="0" err="1">
+                <a:sym typeface="Wingdings" panose="05000000000000000000" pitchFamily="2" charset="2"/>
+              </a:rPr>
+              <a:t>back-end</a:t>
+            </a:r>
+            <a:endParaRPr lang="nl-BE" dirty="0">
+              <a:sym typeface="Wingdings" panose="05000000000000000000" pitchFamily="2" charset="2"/>
+            </a:endParaRPr>
+          </a:p>
+          <a:p>
+            <a:pPr lvl="1"/>
+            <a:r>
+              <a:rPr lang="nl-BE" dirty="0">
+                <a:sym typeface="Wingdings" panose="05000000000000000000" pitchFamily="2" charset="2"/>
+              </a:rPr>
+              <a:t>Afzonderlijke entiteit</a:t>
+            </a:r>
+            <a:endParaRPr lang="nl-BE" dirty="0"/>
+          </a:p>
+          <a:p>
+            <a:endParaRPr lang="nl-BE" dirty="0"/>
+          </a:p>
+        </p:txBody>
+      </p:sp>
+      <p:sp>
+        <p:nvSpPr>
+          <p:cNvPr id="4" name="Tijdelijke aanduiding voor dianummer 3">
+            <a:extLst>
+              <a:ext uri="{FF2B5EF4-FFF2-40B4-BE49-F238E27FC236}">
+                <a16:creationId xmlns:a16="http://schemas.microsoft.com/office/drawing/2014/main" id="{0446FAA7-888F-4C6A-8361-C8D8487FF4F9}"/>
+              </a:ext>
+            </a:extLst>
+          </p:cNvPr>
+          <p:cNvSpPr>
+            <a:spLocks noGrp="1"/>
+          </p:cNvSpPr>
+          <p:nvPr>
+            <p:ph type="sldNum" sz="quarter" idx="12"/>
+          </p:nvPr>
+        </p:nvSpPr>
+        <p:spPr/>
+        <p:txBody>
           <a:bodyPr/>
           <a:lstStyle/>
           <a:p>
             <a:fld id="{7AE184E0-0BD4-4705-A12B-9B71DDE63301}" type="slidenum">
-              <a:rPr lang="nl-BE" smtClean="0"/>
-              <a:pPr/>
+              <a:rPr lang="nl-BE" noProof="0" smtClean="0"/>
               <a:t>4</a:t>
             </a:fld>
-            <a:endParaRPr lang="nl-BE" dirty="0"/>
+            <a:endParaRPr lang="nl-BE" noProof="0" dirty="0"/>
           </a:p>
         </p:txBody>
       </p:sp>
     </p:spTree>
     <p:extLst>
       <p:ext uri="{BB962C8B-B14F-4D97-AF65-F5344CB8AC3E}">
-        <p14:creationId xmlns:p14="http://schemas.microsoft.com/office/powerpoint/2010/main" val="2252229362"/>
+        <p14:creationId xmlns:p14="http://schemas.microsoft.com/office/powerpoint/2010/main" val="3955084660"/>
       </p:ext>
     </p:extLst>
   </p:cSld>
@@ -5758,18 +6307,12 @@
       </p:grpSpPr>
       <p:sp>
         <p:nvSpPr>
-          <p:cNvPr id="4" name="Tijdelijke aanduiding voor dianummer 3">
-            <a:extLst>
-              <a:ext uri="{FF2B5EF4-FFF2-40B4-BE49-F238E27FC236}">
-                <a16:creationId xmlns:a16="http://schemas.microsoft.com/office/drawing/2014/main" id="{5A0C7678-1E97-4FDD-BAD1-7AA0C7542EEC}"/>
-              </a:ext>
-            </a:extLst>
-          </p:cNvPr>
-          <p:cNvSpPr>
-            <a:spLocks noGrp="1"/>
-          </p:cNvSpPr>
-          <p:nvPr>
-            <p:ph type="sldNum" sz="quarter" idx="12"/>
+          <p:cNvPr id="8" name="Titel 7"/>
+          <p:cNvSpPr>
+            <a:spLocks noGrp="1"/>
+          </p:cNvSpPr>
+          <p:nvPr>
+            <p:ph type="ctrTitle"/>
           </p:nvPr>
         </p:nvSpPr>
         <p:spPr/>
@@ -5777,157 +6320,41 @@
           <a:bodyPr/>
           <a:lstStyle/>
           <a:p>
+            <a:r>
+              <a:rPr lang="nl-NL" dirty="0"/>
+              <a:t>UI/UX</a:t>
+            </a:r>
+          </a:p>
+        </p:txBody>
+      </p:sp>
+      <p:sp>
+        <p:nvSpPr>
+          <p:cNvPr id="5" name="Slide Number Placeholder 4"/>
+          <p:cNvSpPr>
+            <a:spLocks noGrp="1"/>
+          </p:cNvSpPr>
+          <p:nvPr>
+            <p:ph type="sldNum" sz="quarter" idx="4"/>
+          </p:nvPr>
+        </p:nvSpPr>
+        <p:spPr/>
+        <p:txBody>
+          <a:bodyPr/>
+          <a:lstStyle/>
+          <a:p>
             <a:fld id="{7AE184E0-0BD4-4705-A12B-9B71DDE63301}" type="slidenum">
-              <a:rPr lang="nl-BE" noProof="0" smtClean="0"/>
+              <a:rPr lang="nl-BE" smtClean="0"/>
+              <a:pPr/>
               <a:t>5</a:t>
             </a:fld>
-            <a:endParaRPr lang="nl-BE" noProof="0" dirty="0"/>
-          </a:p>
-        </p:txBody>
-      </p:sp>
-      <p:pic>
-        <p:nvPicPr>
-          <p:cNvPr id="1026" name="Picture 2" descr="https://i.imgur.com/PJoPT2s.png">
-            <a:extLst>
-              <a:ext uri="{FF2B5EF4-FFF2-40B4-BE49-F238E27FC236}">
-                <a16:creationId xmlns:a16="http://schemas.microsoft.com/office/drawing/2014/main" id="{DE604E99-C64B-43DE-AC2B-CBA988662CFF}"/>
-              </a:ext>
-            </a:extLst>
-          </p:cNvPr>
-          <p:cNvPicPr>
-            <a:picLocks noGrp="1" noChangeAspect="1" noChangeArrowheads="1"/>
-          </p:cNvPicPr>
-          <p:nvPr>
-            <p:ph idx="1"/>
-          </p:nvPr>
-        </p:nvPicPr>
-        <p:blipFill>
-          <a:blip r:embed="rId2">
-            <a:extLst>
-              <a:ext uri="{28A0092B-C50C-407E-A947-70E740481C1C}">
-                <a14:useLocalDpi xmlns:a14="http://schemas.microsoft.com/office/drawing/2010/main" val="0"/>
-              </a:ext>
-            </a:extLst>
-          </a:blip>
-          <a:srcRect/>
-          <a:stretch>
-            <a:fillRect/>
-          </a:stretch>
-        </p:blipFill>
-        <p:spPr bwMode="auto">
-          <a:xfrm>
-            <a:off x="2328782" y="1000125"/>
-            <a:ext cx="11636080" cy="8262754"/>
-          </a:xfrm>
-          <a:prstGeom prst="rect">
-            <a:avLst/>
-          </a:prstGeom>
-          <a:noFill/>
-          <a:extLst>
-            <a:ext uri="{909E8E84-426E-40DD-AFC4-6F175D3DCCD1}">
-              <a14:hiddenFill xmlns:a14="http://schemas.microsoft.com/office/drawing/2010/main">
-                <a:solidFill>
-                  <a:srgbClr val="FFFFFF"/>
-                </a:solidFill>
-              </a14:hiddenFill>
-            </a:ext>
-          </a:extLst>
-        </p:spPr>
-      </p:pic>
-      <p:sp>
-        <p:nvSpPr>
-          <p:cNvPr id="7" name="Titel 1">
-            <a:extLst>
-              <a:ext uri="{FF2B5EF4-FFF2-40B4-BE49-F238E27FC236}">
-                <a16:creationId xmlns:a16="http://schemas.microsoft.com/office/drawing/2014/main" id="{D19853D8-24D4-4E83-893B-BA93A3FDC09B}"/>
-              </a:ext>
-            </a:extLst>
-          </p:cNvPr>
-          <p:cNvSpPr>
-            <a:spLocks noGrp="1"/>
-          </p:cNvSpPr>
-          <p:nvPr>
-            <p:ph type="title"/>
-          </p:nvPr>
-        </p:nvSpPr>
-        <p:spPr>
-          <a:xfrm>
-            <a:off x="830263" y="136525"/>
-            <a:ext cx="15705137" cy="863600"/>
-          </a:xfrm>
-        </p:spPr>
-        <p:txBody>
-          <a:bodyPr/>
-          <a:lstStyle/>
-          <a:p>
-            <a:r>
-              <a:rPr lang="nl-BE" dirty="0"/>
-              <a:t>MEAN-stack – met Uitbreidingen</a:t>
-            </a:r>
-            <a:endParaRPr lang="nl-NL" dirty="0"/>
-          </a:p>
-        </p:txBody>
-      </p:sp>
-      <p:sp>
-        <p:nvSpPr>
-          <p:cNvPr id="6" name="Tekstvak 5">
-            <a:extLst>
-              <a:ext uri="{FF2B5EF4-FFF2-40B4-BE49-F238E27FC236}">
-                <a16:creationId xmlns:a16="http://schemas.microsoft.com/office/drawing/2014/main" id="{6E19ADAF-CF86-4173-9314-E97BCE96FFE5}"/>
-              </a:ext>
-            </a:extLst>
-          </p:cNvPr>
-          <p:cNvSpPr txBox="1"/>
-          <p:nvPr/>
-        </p:nvSpPr>
-        <p:spPr>
-          <a:xfrm>
-            <a:off x="0" y="1520041"/>
-            <a:ext cx="8632491" cy="511615"/>
-          </a:xfrm>
-          <a:prstGeom prst="rect">
-            <a:avLst/>
-          </a:prstGeom>
-          <a:noFill/>
-        </p:spPr>
-        <p:txBody>
-          <a:bodyPr wrap="none" rtlCol="0">
-            <a:spAutoFit/>
-          </a:bodyPr>
-          <a:lstStyle/>
-          <a:p>
-            <a:pPr>
-              <a:lnSpc>
-                <a:spcPct val="120000"/>
-              </a:lnSpc>
-            </a:pPr>
-            <a:r>
-              <a:rPr lang="nl-BE" sz="2500" dirty="0"/>
-              <a:t>(</a:t>
-            </a:r>
-            <a:r>
-              <a:rPr lang="nl-BE" sz="2500" dirty="0" err="1"/>
-              <a:t>mss</a:t>
-            </a:r>
-            <a:r>
-              <a:rPr lang="nl-BE" sz="2500" dirty="0"/>
-              <a:t> tekst ervan verbergen zodat ze niet alles </a:t>
-            </a:r>
-            <a:r>
-              <a:rPr lang="nl-BE" sz="2500" dirty="0" err="1"/>
-              <a:t>gwn</a:t>
-            </a:r>
-            <a:r>
-              <a:rPr lang="nl-BE" sz="2500" dirty="0"/>
-              <a:t> aflezen)</a:t>
-            </a:r>
+            <a:endParaRPr lang="nl-BE" dirty="0"/>
           </a:p>
         </p:txBody>
       </p:sp>
     </p:spTree>
     <p:extLst>
       <p:ext uri="{BB962C8B-B14F-4D97-AF65-F5344CB8AC3E}">
-        <p14:creationId xmlns:p14="http://schemas.microsoft.com/office/powerpoint/2010/main" val="3347920225"/>
+        <p14:creationId xmlns:p14="http://schemas.microsoft.com/office/powerpoint/2010/main" val="2688213651"/>
       </p:ext>
     </p:extLst>
   </p:cSld>
@@ -5977,33 +6404,8 @@
           <a:p>
             <a:r>
               <a:rPr lang="nl-BE" dirty="0"/>
-              <a:t>Resultaat (sprint 1)</a:t>
-            </a:r>
-          </a:p>
-        </p:txBody>
-      </p:sp>
-      <p:sp>
-        <p:nvSpPr>
-          <p:cNvPr id="3" name="Tijdelijke aanduiding voor inhoud 2">
-            <a:extLst>
-              <a:ext uri="{FF2B5EF4-FFF2-40B4-BE49-F238E27FC236}">
-                <a16:creationId xmlns:a16="http://schemas.microsoft.com/office/drawing/2014/main" id="{C8090728-1C34-4F5B-BDD4-57A0FA41CBED}"/>
-              </a:ext>
-            </a:extLst>
-          </p:cNvPr>
-          <p:cNvSpPr>
-            <a:spLocks noGrp="1"/>
-          </p:cNvSpPr>
-          <p:nvPr>
-            <p:ph idx="1"/>
-          </p:nvPr>
-        </p:nvSpPr>
-        <p:spPr/>
-        <p:txBody>
-          <a:bodyPr/>
-          <a:lstStyle/>
-          <a:p>
-            <a:endParaRPr lang="nl-BE" dirty="0"/>
+              <a:t>Simulator Prototype </a:t>
+            </a:r>
           </a:p>
         </p:txBody>
       </p:sp>
@@ -6038,15 +6440,15 @@
       </p:sp>
       <p:pic>
         <p:nvPicPr>
-          <p:cNvPr id="5" name="Tijdelijke aanduiding voor inhoud 4">
+          <p:cNvPr id="7" name="Afbeelding 6">
             <a:extLst>
               <a:ext uri="{FF2B5EF4-FFF2-40B4-BE49-F238E27FC236}">
-                <a16:creationId xmlns:a16="http://schemas.microsoft.com/office/drawing/2014/main" id="{BD7CD23C-084D-469B-ADB7-A0F7E02D1C66}"/>
+                <a16:creationId xmlns:a16="http://schemas.microsoft.com/office/drawing/2014/main" id="{517B6465-71B9-40E5-A4C9-1DF798698AA6}"/>
               </a:ext>
             </a:extLst>
           </p:cNvPr>
           <p:cNvPicPr>
-            <a:picLocks noGrp="1" noChangeAspect="1"/>
+            <a:picLocks noChangeAspect="1"/>
           </p:cNvPicPr>
           <p:nvPr/>
         </p:nvPicPr>
@@ -6064,8 +6466,8 @@
         </p:blipFill>
         <p:spPr>
           <a:xfrm>
-            <a:off x="1567542" y="999726"/>
-            <a:ext cx="13288489" cy="8003473"/>
+            <a:off x="4745037" y="1295301"/>
+            <a:ext cx="7393624" cy="7806374"/>
           </a:xfrm>
           <a:prstGeom prst="rect">
             <a:avLst/>
@@ -6107,7 +6509,7 @@
           <p:cNvPr id="2" name="Titel 1">
             <a:extLst>
               <a:ext uri="{FF2B5EF4-FFF2-40B4-BE49-F238E27FC236}">
-                <a16:creationId xmlns:a16="http://schemas.microsoft.com/office/drawing/2014/main" id="{B4551594-2855-457C-A1D5-3F74E3C2DD59}"/>
+                <a16:creationId xmlns:a16="http://schemas.microsoft.com/office/drawing/2014/main" id="{EAAB44A4-83D4-42BC-8BA1-0D380EAB990A}"/>
               </a:ext>
             </a:extLst>
           </p:cNvPr>
@@ -6125,86 +6527,8 @@
           <a:p>
             <a:r>
               <a:rPr lang="nl-BE" dirty="0"/>
-              <a:t>Problemen (sprint 1) 😢</a:t>
-            </a:r>
-          </a:p>
-        </p:txBody>
-      </p:sp>
-      <p:sp>
-        <p:nvSpPr>
-          <p:cNvPr id="3" name="Tijdelijke aanduiding voor inhoud 2">
-            <a:extLst>
-              <a:ext uri="{FF2B5EF4-FFF2-40B4-BE49-F238E27FC236}">
-                <a16:creationId xmlns:a16="http://schemas.microsoft.com/office/drawing/2014/main" id="{6CA6D7E3-F1B4-4AD6-BE68-677AE76AEE54}"/>
-              </a:ext>
-            </a:extLst>
-          </p:cNvPr>
-          <p:cNvSpPr>
-            <a:spLocks noGrp="1"/>
-          </p:cNvSpPr>
-          <p:nvPr>
-            <p:ph idx="1"/>
-          </p:nvPr>
-        </p:nvSpPr>
-        <p:spPr/>
-        <p:txBody>
-          <a:bodyPr/>
-          <a:lstStyle/>
-          <a:p>
-            <a:r>
-              <a:rPr lang="nl-BE" dirty="0"/>
-              <a:t>(Zeer) dummy drone volledig in front-end gesimuleerd</a:t>
-            </a:r>
-          </a:p>
-          <a:p>
-            <a:pPr marL="85720" indent="0">
-              <a:buNone/>
-            </a:pPr>
-            <a:r>
-              <a:rPr lang="nl-BE" dirty="0"/>
-              <a:t>			-&gt; te dom voor communicatie / zelf aansturen met 					  eigen paden</a:t>
-            </a:r>
-          </a:p>
-          <a:p>
-            <a:r>
-              <a:rPr lang="nl-BE" dirty="0"/>
-              <a:t>Hoe live data ontvangen van echte drone</a:t>
-            </a:r>
-          </a:p>
-          <a:p>
-            <a:r>
-              <a:rPr lang="nl-BE" dirty="0"/>
-              <a:t>Hoe communiceren met drone  </a:t>
-            </a:r>
-          </a:p>
-          <a:p>
-            <a:r>
-              <a:rPr lang="nl-BE" dirty="0"/>
-              <a:t>Dijkstra, schaalbaar?</a:t>
-            </a:r>
-          </a:p>
-          <a:p>
-            <a:r>
-              <a:rPr lang="nl-BE" dirty="0"/>
-              <a:t>Canvas </a:t>
-            </a:r>
-            <a:r>
-              <a:rPr lang="nl-BE" dirty="0" err="1"/>
-              <a:t>performantie</a:t>
-            </a:r>
-            <a:endParaRPr lang="nl-BE" dirty="0"/>
-          </a:p>
-          <a:p>
-            <a:endParaRPr lang="nl-BE" dirty="0"/>
-          </a:p>
-          <a:p>
-            <a:endParaRPr lang="nl-BE" dirty="0"/>
-          </a:p>
-          <a:p>
-            <a:endParaRPr lang="nl-BE" dirty="0"/>
-          </a:p>
-          <a:p>
-            <a:endParaRPr lang="nl-BE" dirty="0"/>
+              <a:t>Eindresultaat</a:t>
+            </a:r>
           </a:p>
         </p:txBody>
       </p:sp>
@@ -6213,7 +6537,7 @@
           <p:cNvPr id="4" name="Tijdelijke aanduiding voor dianummer 3">
             <a:extLst>
               <a:ext uri="{FF2B5EF4-FFF2-40B4-BE49-F238E27FC236}">
-                <a16:creationId xmlns:a16="http://schemas.microsoft.com/office/drawing/2014/main" id="{E28DBF0D-B363-4E69-8688-6BEEFFF37CA9}"/>
+                <a16:creationId xmlns:a16="http://schemas.microsoft.com/office/drawing/2014/main" id="{193C8AAE-F647-49B5-9E25-2C8C4611AFBA}"/>
               </a:ext>
             </a:extLst>
           </p:cNvPr>
@@ -6237,10 +6561,46 @@
           </a:p>
         </p:txBody>
       </p:sp>
+      <p:pic>
+        <p:nvPicPr>
+          <p:cNvPr id="6" name="Afbeelding 5">
+            <a:extLst>
+              <a:ext uri="{FF2B5EF4-FFF2-40B4-BE49-F238E27FC236}">
+                <a16:creationId xmlns:a16="http://schemas.microsoft.com/office/drawing/2014/main" id="{C5A17805-B938-4CE1-A85B-1AAD23B01A19}"/>
+              </a:ext>
+            </a:extLst>
+          </p:cNvPr>
+          <p:cNvPicPr>
+            <a:picLocks noChangeAspect="1"/>
+          </p:cNvPicPr>
+          <p:nvPr/>
+        </p:nvPicPr>
+        <p:blipFill>
+          <a:blip r:embed="rId2">
+            <a:extLst>
+              <a:ext uri="{28A0092B-C50C-407E-A947-70E740481C1C}">
+                <a14:useLocalDpi xmlns:a14="http://schemas.microsoft.com/office/drawing/2010/main" val="0"/>
+              </a:ext>
+            </a:extLst>
+          </a:blip>
+          <a:stretch>
+            <a:fillRect/>
+          </a:stretch>
+        </p:blipFill>
+        <p:spPr>
+          <a:xfrm>
+            <a:off x="2526989" y="999726"/>
+            <a:ext cx="12311540" cy="8485351"/>
+          </a:xfrm>
+          <a:prstGeom prst="rect">
+            <a:avLst/>
+          </a:prstGeom>
+        </p:spPr>
+      </p:pic>
     </p:spTree>
     <p:extLst>
       <p:ext uri="{BB962C8B-B14F-4D97-AF65-F5344CB8AC3E}">
-        <p14:creationId xmlns:p14="http://schemas.microsoft.com/office/powerpoint/2010/main" val="4102804383"/>
+        <p14:creationId xmlns:p14="http://schemas.microsoft.com/office/powerpoint/2010/main" val="1303557387"/>
       </p:ext>
     </p:extLst>
   </p:cSld>
@@ -6284,7 +6644,7 @@
           <a:p>
             <a:r>
               <a:rPr lang="nl-NL" dirty="0"/>
-              <a:t>Verbeteringen</a:t>
+              <a:t>Technologie stack</a:t>
             </a:r>
           </a:p>
         </p:txBody>
@@ -6316,7 +6676,7 @@
     </p:spTree>
     <p:extLst>
       <p:ext uri="{BB962C8B-B14F-4D97-AF65-F5344CB8AC3E}">
-        <p14:creationId xmlns:p14="http://schemas.microsoft.com/office/powerpoint/2010/main" val="1759474902"/>
+        <p14:creationId xmlns:p14="http://schemas.microsoft.com/office/powerpoint/2010/main" val="2252229362"/>
       </p:ext>
     </p:extLst>
   </p:cSld>
@@ -6345,91 +6705,10 @@
       </p:grpSpPr>
       <p:sp>
         <p:nvSpPr>
-          <p:cNvPr id="2" name="Titel 1">
-            <a:extLst>
-              <a:ext uri="{FF2B5EF4-FFF2-40B4-BE49-F238E27FC236}">
-                <a16:creationId xmlns:a16="http://schemas.microsoft.com/office/drawing/2014/main" id="{2EA96173-F689-4808-B004-F456C0C2856E}"/>
-              </a:ext>
-            </a:extLst>
-          </p:cNvPr>
-          <p:cNvSpPr>
-            <a:spLocks noGrp="1"/>
-          </p:cNvSpPr>
-          <p:nvPr>
-            <p:ph type="title"/>
-          </p:nvPr>
-        </p:nvSpPr>
-        <p:spPr/>
-        <p:txBody>
-          <a:bodyPr/>
-          <a:lstStyle/>
-          <a:p>
-            <a:r>
-              <a:rPr lang="nl-BE" dirty="0"/>
-              <a:t>Sprint 2: Doorbraken</a:t>
-            </a:r>
-          </a:p>
-        </p:txBody>
-      </p:sp>
-      <p:sp>
-        <p:nvSpPr>
-          <p:cNvPr id="3" name="Tijdelijke aanduiding voor inhoud 2">
-            <a:extLst>
-              <a:ext uri="{FF2B5EF4-FFF2-40B4-BE49-F238E27FC236}">
-                <a16:creationId xmlns:a16="http://schemas.microsoft.com/office/drawing/2014/main" id="{77F938B2-87B3-4268-BF55-C18587BEE7AB}"/>
-              </a:ext>
-            </a:extLst>
-          </p:cNvPr>
-          <p:cNvSpPr>
-            <a:spLocks noGrp="1"/>
-          </p:cNvSpPr>
-          <p:nvPr>
-            <p:ph idx="1"/>
-          </p:nvPr>
-        </p:nvSpPr>
-        <p:spPr/>
-        <p:txBody>
-          <a:bodyPr/>
-          <a:lstStyle/>
-          <a:p>
-            <a:r>
-              <a:rPr lang="nl-BE" dirty="0"/>
-              <a:t>Leaflet</a:t>
-            </a:r>
-          </a:p>
-          <a:p>
-            <a:r>
-              <a:rPr lang="nl-BE" dirty="0"/>
-              <a:t>A* + optimalisaties</a:t>
-            </a:r>
-          </a:p>
-          <a:p>
-            <a:r>
-              <a:rPr lang="nl-BE" dirty="0"/>
-              <a:t>Node-red</a:t>
-            </a:r>
-          </a:p>
-          <a:p>
-            <a:r>
-              <a:rPr lang="nl-BE" dirty="0" err="1"/>
-              <a:t>Mockup</a:t>
-            </a:r>
-            <a:r>
-              <a:rPr lang="nl-BE" dirty="0"/>
-              <a:t> drone</a:t>
-            </a:r>
-          </a:p>
-          <a:p>
-            <a:endParaRPr lang="nl-BE" dirty="0"/>
-          </a:p>
-        </p:txBody>
-      </p:sp>
-      <p:sp>
-        <p:nvSpPr>
           <p:cNvPr id="4" name="Tijdelijke aanduiding voor dianummer 3">
             <a:extLst>
               <a:ext uri="{FF2B5EF4-FFF2-40B4-BE49-F238E27FC236}">
-                <a16:creationId xmlns:a16="http://schemas.microsoft.com/office/drawing/2014/main" id="{0446FAA7-888F-4C6A-8361-C8D8487FF4F9}"/>
+                <a16:creationId xmlns:a16="http://schemas.microsoft.com/office/drawing/2014/main" id="{5A0C7678-1E97-4FDD-BAD1-7AA0C7542EEC}"/>
               </a:ext>
             </a:extLst>
           </p:cNvPr>
@@ -6453,10 +6732,93 @@
           </a:p>
         </p:txBody>
       </p:sp>
+      <p:pic>
+        <p:nvPicPr>
+          <p:cNvPr id="1026" name="Picture 2" descr="https://i.imgur.com/PJoPT2s.png">
+            <a:extLst>
+              <a:ext uri="{FF2B5EF4-FFF2-40B4-BE49-F238E27FC236}">
+                <a16:creationId xmlns:a16="http://schemas.microsoft.com/office/drawing/2014/main" id="{DE604E99-C64B-43DE-AC2B-CBA988662CFF}"/>
+              </a:ext>
+            </a:extLst>
+          </p:cNvPr>
+          <p:cNvPicPr>
+            <a:picLocks noGrp="1" noChangeAspect="1" noChangeArrowheads="1"/>
+          </p:cNvPicPr>
+          <p:nvPr>
+            <p:ph idx="1"/>
+          </p:nvPr>
+        </p:nvPicPr>
+        <p:blipFill>
+          <a:blip r:embed="rId2">
+            <a:extLst>
+              <a:ext uri="{28A0092B-C50C-407E-A947-70E740481C1C}">
+                <a14:useLocalDpi xmlns:a14="http://schemas.microsoft.com/office/drawing/2010/main" val="0"/>
+              </a:ext>
+            </a:extLst>
+          </a:blip>
+          <a:srcRect/>
+          <a:stretch>
+            <a:fillRect/>
+          </a:stretch>
+        </p:blipFill>
+        <p:spPr bwMode="auto">
+          <a:xfrm>
+            <a:off x="2328782" y="1000125"/>
+            <a:ext cx="11636080" cy="8262754"/>
+          </a:xfrm>
+          <a:prstGeom prst="rect">
+            <a:avLst/>
+          </a:prstGeom>
+          <a:noFill/>
+          <a:extLst>
+            <a:ext uri="{909E8E84-426E-40DD-AFC4-6F175D3DCCD1}">
+              <a14:hiddenFill xmlns:a14="http://schemas.microsoft.com/office/drawing/2010/main">
+                <a:solidFill>
+                  <a:srgbClr val="FFFFFF"/>
+                </a:solidFill>
+              </a14:hiddenFill>
+            </a:ext>
+          </a:extLst>
+        </p:spPr>
+      </p:pic>
+      <p:sp>
+        <p:nvSpPr>
+          <p:cNvPr id="7" name="Titel 1">
+            <a:extLst>
+              <a:ext uri="{FF2B5EF4-FFF2-40B4-BE49-F238E27FC236}">
+                <a16:creationId xmlns:a16="http://schemas.microsoft.com/office/drawing/2014/main" id="{D19853D8-24D4-4E83-893B-BA93A3FDC09B}"/>
+              </a:ext>
+            </a:extLst>
+          </p:cNvPr>
+          <p:cNvSpPr>
+            <a:spLocks noGrp="1"/>
+          </p:cNvSpPr>
+          <p:nvPr>
+            <p:ph type="title"/>
+          </p:nvPr>
+        </p:nvSpPr>
+        <p:spPr>
+          <a:xfrm>
+            <a:off x="830263" y="136525"/>
+            <a:ext cx="15705137" cy="863600"/>
+          </a:xfrm>
+        </p:spPr>
+        <p:txBody>
+          <a:bodyPr/>
+          <a:lstStyle/>
+          <a:p>
+            <a:r>
+              <a:rPr lang="nl-BE" dirty="0"/>
+              <a:t>MEAN-stack</a:t>
+            </a:r>
+            <a:endParaRPr lang="nl-NL" dirty="0"/>
+          </a:p>
+        </p:txBody>
+      </p:sp>
     </p:spTree>
     <p:extLst>
       <p:ext uri="{BB962C8B-B14F-4D97-AF65-F5344CB8AC3E}">
-        <p14:creationId xmlns:p14="http://schemas.microsoft.com/office/powerpoint/2010/main" val="3955084660"/>
+        <p14:creationId xmlns:p14="http://schemas.microsoft.com/office/powerpoint/2010/main" val="3347920225"/>
       </p:ext>
     </p:extLst>
   </p:cSld>
